--- a/test/开发教程.pptx
+++ b/test/开发教程.pptx
@@ -4,6 +4,9 @@
   <p:sldMasterIdLst>
     <p:sldMasterId id="2147483696" r:id="rId1"/>
   </p:sldMasterIdLst>
+  <p:notesMasterIdLst>
+    <p:notesMasterId r:id="rId10"/>
+  </p:notesMasterIdLst>
   <p:sldIdLst>
     <p:sldId id="256" r:id="rId2"/>
     <p:sldId id="257" r:id="rId3"/>
@@ -114,6 +117,440 @@
 </p:presentation>
 </file>
 
+<file path=ppt/notesMasters/notesMaster1.xml><?xml version="1.0" encoding="utf-8"?>
+<p:notesMaster xmlns:a="http://schemas.openxmlformats.org/drawingml/2006/main" xmlns:r="http://schemas.openxmlformats.org/officeDocument/2006/relationships" xmlns:p="http://schemas.openxmlformats.org/presentationml/2006/main">
+  <p:cSld>
+    <p:bg>
+      <p:bgRef idx="1001">
+        <a:schemeClr val="bg1"/>
+      </p:bgRef>
+    </p:bg>
+    <p:spTree>
+      <p:nvGrpSpPr>
+        <p:cNvPr id="1" name=""/>
+        <p:cNvGrpSpPr/>
+        <p:nvPr/>
+      </p:nvGrpSpPr>
+      <p:grpSpPr>
+        <a:xfrm>
+          <a:off x="0" y="0"/>
+          <a:ext cx="0" cy="0"/>
+          <a:chOff x="0" y="0"/>
+          <a:chExt cx="0" cy="0"/>
+        </a:xfrm>
+      </p:grpSpPr>
+      <p:sp>
+        <p:nvSpPr>
+          <p:cNvPr id="2" name="页眉占位符 1"/>
+          <p:cNvSpPr>
+            <a:spLocks noGrp="1"/>
+          </p:cNvSpPr>
+          <p:nvPr>
+            <p:ph type="hdr" sz="quarter"/>
+          </p:nvPr>
+        </p:nvSpPr>
+        <p:spPr>
+          <a:xfrm>
+            <a:off x="0" y="0"/>
+            <a:ext cx="2971800" cy="457200"/>
+          </a:xfrm>
+          <a:prstGeom prst="rect">
+            <a:avLst/>
+          </a:prstGeom>
+        </p:spPr>
+        <p:txBody>
+          <a:bodyPr vert="horz" lIns="91440" tIns="45720" rIns="91440" bIns="45720" rtlCol="0"/>
+          <a:lstStyle>
+            <a:lvl1pPr algn="l">
+              <a:defRPr sz="1200"/>
+            </a:lvl1pPr>
+          </a:lstStyle>
+          <a:p>
+            <a:endParaRPr lang="zh-CN" altLang="en-US"/>
+          </a:p>
+        </p:txBody>
+      </p:sp>
+      <p:sp>
+        <p:nvSpPr>
+          <p:cNvPr id="3" name="日期占位符 2"/>
+          <p:cNvSpPr>
+            <a:spLocks noGrp="1"/>
+          </p:cNvSpPr>
+          <p:nvPr>
+            <p:ph type="dt" idx="1"/>
+          </p:nvPr>
+        </p:nvSpPr>
+        <p:spPr>
+          <a:xfrm>
+            <a:off x="3884613" y="0"/>
+            <a:ext cx="2971800" cy="457200"/>
+          </a:xfrm>
+          <a:prstGeom prst="rect">
+            <a:avLst/>
+          </a:prstGeom>
+        </p:spPr>
+        <p:txBody>
+          <a:bodyPr vert="horz" lIns="91440" tIns="45720" rIns="91440" bIns="45720" rtlCol="0"/>
+          <a:lstStyle>
+            <a:lvl1pPr algn="r">
+              <a:defRPr sz="1200"/>
+            </a:lvl1pPr>
+          </a:lstStyle>
+          <a:p>
+            <a:fld id="{ADB2B423-0D36-4351-9EEF-C32D003B49AC}" type="datetimeFigureOut">
+              <a:rPr lang="zh-CN" altLang="en-US" smtClean="0"/>
+              <a:t>2024/4/16</a:t>
+            </a:fld>
+            <a:endParaRPr lang="zh-CN" altLang="en-US"/>
+          </a:p>
+        </p:txBody>
+      </p:sp>
+      <p:sp>
+        <p:nvSpPr>
+          <p:cNvPr id="4" name="幻灯片图像占位符 3"/>
+          <p:cNvSpPr>
+            <a:spLocks noGrp="1" noRot="1" noChangeAspect="1"/>
+          </p:cNvSpPr>
+          <p:nvPr>
+            <p:ph type="sldImg" idx="2"/>
+          </p:nvPr>
+        </p:nvSpPr>
+        <p:spPr>
+          <a:xfrm>
+            <a:off x="1143000" y="685800"/>
+            <a:ext cx="4572000" cy="3429000"/>
+          </a:xfrm>
+          <a:prstGeom prst="rect">
+            <a:avLst/>
+          </a:prstGeom>
+          <a:noFill/>
+          <a:ln w="12700">
+            <a:solidFill>
+              <a:prstClr val="black"/>
+            </a:solidFill>
+          </a:ln>
+        </p:spPr>
+        <p:txBody>
+          <a:bodyPr vert="horz" lIns="91440" tIns="45720" rIns="91440" bIns="45720" rtlCol="0" anchor="ctr"/>
+          <a:lstStyle/>
+          <a:p>
+            <a:endParaRPr lang="zh-CN" altLang="en-US"/>
+          </a:p>
+        </p:txBody>
+      </p:sp>
+      <p:sp>
+        <p:nvSpPr>
+          <p:cNvPr id="5" name="备注占位符 4"/>
+          <p:cNvSpPr>
+            <a:spLocks noGrp="1"/>
+          </p:cNvSpPr>
+          <p:nvPr>
+            <p:ph type="body" sz="quarter" idx="3"/>
+          </p:nvPr>
+        </p:nvSpPr>
+        <p:spPr>
+          <a:xfrm>
+            <a:off x="685800" y="4343400"/>
+            <a:ext cx="5486400" cy="4114800"/>
+          </a:xfrm>
+          <a:prstGeom prst="rect">
+            <a:avLst/>
+          </a:prstGeom>
+        </p:spPr>
+        <p:txBody>
+          <a:bodyPr vert="horz" lIns="91440" tIns="45720" rIns="91440" bIns="45720" rtlCol="0"/>
+          <a:lstStyle/>
+          <a:p>
+            <a:pPr lvl="0"/>
+            <a:r>
+              <a:rPr lang="zh-CN" altLang="en-US" smtClean="0"/>
+              <a:t>单击此处编辑母版文本样式</a:t>
+            </a:r>
+          </a:p>
+          <a:p>
+            <a:pPr lvl="1"/>
+            <a:r>
+              <a:rPr lang="zh-CN" altLang="en-US" smtClean="0"/>
+              <a:t>第二级</a:t>
+            </a:r>
+          </a:p>
+          <a:p>
+            <a:pPr lvl="2"/>
+            <a:r>
+              <a:rPr lang="zh-CN" altLang="en-US" smtClean="0"/>
+              <a:t>第三级</a:t>
+            </a:r>
+          </a:p>
+          <a:p>
+            <a:pPr lvl="3"/>
+            <a:r>
+              <a:rPr lang="zh-CN" altLang="en-US" smtClean="0"/>
+              <a:t>第四级</a:t>
+            </a:r>
+          </a:p>
+          <a:p>
+            <a:pPr lvl="4"/>
+            <a:r>
+              <a:rPr lang="zh-CN" altLang="en-US" smtClean="0"/>
+              <a:t>第五级</a:t>
+            </a:r>
+            <a:endParaRPr lang="zh-CN" altLang="en-US"/>
+          </a:p>
+        </p:txBody>
+      </p:sp>
+      <p:sp>
+        <p:nvSpPr>
+          <p:cNvPr id="6" name="页脚占位符 5"/>
+          <p:cNvSpPr>
+            <a:spLocks noGrp="1"/>
+          </p:cNvSpPr>
+          <p:nvPr>
+            <p:ph type="ftr" sz="quarter" idx="4"/>
+          </p:nvPr>
+        </p:nvSpPr>
+        <p:spPr>
+          <a:xfrm>
+            <a:off x="0" y="8685213"/>
+            <a:ext cx="2971800" cy="457200"/>
+          </a:xfrm>
+          <a:prstGeom prst="rect">
+            <a:avLst/>
+          </a:prstGeom>
+        </p:spPr>
+        <p:txBody>
+          <a:bodyPr vert="horz" lIns="91440" tIns="45720" rIns="91440" bIns="45720" rtlCol="0" anchor="b"/>
+          <a:lstStyle>
+            <a:lvl1pPr algn="l">
+              <a:defRPr sz="1200"/>
+            </a:lvl1pPr>
+          </a:lstStyle>
+          <a:p>
+            <a:endParaRPr lang="zh-CN" altLang="en-US"/>
+          </a:p>
+        </p:txBody>
+      </p:sp>
+      <p:sp>
+        <p:nvSpPr>
+          <p:cNvPr id="7" name="灯片编号占位符 6"/>
+          <p:cNvSpPr>
+            <a:spLocks noGrp="1"/>
+          </p:cNvSpPr>
+          <p:nvPr>
+            <p:ph type="sldNum" sz="quarter" idx="5"/>
+          </p:nvPr>
+        </p:nvSpPr>
+        <p:spPr>
+          <a:xfrm>
+            <a:off x="3884613" y="8685213"/>
+            <a:ext cx="2971800" cy="457200"/>
+          </a:xfrm>
+          <a:prstGeom prst="rect">
+            <a:avLst/>
+          </a:prstGeom>
+        </p:spPr>
+        <p:txBody>
+          <a:bodyPr vert="horz" lIns="91440" tIns="45720" rIns="91440" bIns="45720" rtlCol="0" anchor="b"/>
+          <a:lstStyle>
+            <a:lvl1pPr algn="r">
+              <a:defRPr sz="1200"/>
+            </a:lvl1pPr>
+          </a:lstStyle>
+          <a:p>
+            <a:fld id="{9964C1E3-04CC-4C8A-9DF9-5C12A4C21C9E}" type="slidenum">
+              <a:rPr lang="zh-CN" altLang="en-US" smtClean="0"/>
+              <a:t>‹#›</a:t>
+            </a:fld>
+            <a:endParaRPr lang="zh-CN" altLang="en-US"/>
+          </a:p>
+        </p:txBody>
+      </p:sp>
+    </p:spTree>
+    <p:extLst>
+      <p:ext uri="{BB962C8B-B14F-4D97-AF65-F5344CB8AC3E}">
+        <p14:creationId xmlns:p14="http://schemas.microsoft.com/office/powerpoint/2010/main" val="2354133024"/>
+      </p:ext>
+    </p:extLst>
+  </p:cSld>
+  <p:clrMap bg1="lt1" tx1="dk1" bg2="lt2" tx2="dk2" accent1="accent1" accent2="accent2" accent3="accent3" accent4="accent4" accent5="accent5" accent6="accent6" hlink="hlink" folHlink="folHlink"/>
+  <p:notesStyle>
+    <a:lvl1pPr marL="0" algn="l" defTabSz="914400" rtl="0" eaLnBrk="1" latinLnBrk="0" hangingPunct="1">
+      <a:defRPr sz="1200" kern="1200">
+        <a:solidFill>
+          <a:schemeClr val="tx1"/>
+        </a:solidFill>
+        <a:latin typeface="+mn-lt"/>
+        <a:ea typeface="+mn-ea"/>
+        <a:cs typeface="+mn-cs"/>
+      </a:defRPr>
+    </a:lvl1pPr>
+    <a:lvl2pPr marL="457200" algn="l" defTabSz="914400" rtl="0" eaLnBrk="1" latinLnBrk="0" hangingPunct="1">
+      <a:defRPr sz="1200" kern="1200">
+        <a:solidFill>
+          <a:schemeClr val="tx1"/>
+        </a:solidFill>
+        <a:latin typeface="+mn-lt"/>
+        <a:ea typeface="+mn-ea"/>
+        <a:cs typeface="+mn-cs"/>
+      </a:defRPr>
+    </a:lvl2pPr>
+    <a:lvl3pPr marL="914400" algn="l" defTabSz="914400" rtl="0" eaLnBrk="1" latinLnBrk="0" hangingPunct="1">
+      <a:defRPr sz="1200" kern="1200">
+        <a:solidFill>
+          <a:schemeClr val="tx1"/>
+        </a:solidFill>
+        <a:latin typeface="+mn-lt"/>
+        <a:ea typeface="+mn-ea"/>
+        <a:cs typeface="+mn-cs"/>
+      </a:defRPr>
+    </a:lvl3pPr>
+    <a:lvl4pPr marL="1371600" algn="l" defTabSz="914400" rtl="0" eaLnBrk="1" latinLnBrk="0" hangingPunct="1">
+      <a:defRPr sz="1200" kern="1200">
+        <a:solidFill>
+          <a:schemeClr val="tx1"/>
+        </a:solidFill>
+        <a:latin typeface="+mn-lt"/>
+        <a:ea typeface="+mn-ea"/>
+        <a:cs typeface="+mn-cs"/>
+      </a:defRPr>
+    </a:lvl4pPr>
+    <a:lvl5pPr marL="1828800" algn="l" defTabSz="914400" rtl="0" eaLnBrk="1" latinLnBrk="0" hangingPunct="1">
+      <a:defRPr sz="1200" kern="1200">
+        <a:solidFill>
+          <a:schemeClr val="tx1"/>
+        </a:solidFill>
+        <a:latin typeface="+mn-lt"/>
+        <a:ea typeface="+mn-ea"/>
+        <a:cs typeface="+mn-cs"/>
+      </a:defRPr>
+    </a:lvl5pPr>
+    <a:lvl6pPr marL="2286000" algn="l" defTabSz="914400" rtl="0" eaLnBrk="1" latinLnBrk="0" hangingPunct="1">
+      <a:defRPr sz="1200" kern="1200">
+        <a:solidFill>
+          <a:schemeClr val="tx1"/>
+        </a:solidFill>
+        <a:latin typeface="+mn-lt"/>
+        <a:ea typeface="+mn-ea"/>
+        <a:cs typeface="+mn-cs"/>
+      </a:defRPr>
+    </a:lvl6pPr>
+    <a:lvl7pPr marL="2743200" algn="l" defTabSz="914400" rtl="0" eaLnBrk="1" latinLnBrk="0" hangingPunct="1">
+      <a:defRPr sz="1200" kern="1200">
+        <a:solidFill>
+          <a:schemeClr val="tx1"/>
+        </a:solidFill>
+        <a:latin typeface="+mn-lt"/>
+        <a:ea typeface="+mn-ea"/>
+        <a:cs typeface="+mn-cs"/>
+      </a:defRPr>
+    </a:lvl7pPr>
+    <a:lvl8pPr marL="3200400" algn="l" defTabSz="914400" rtl="0" eaLnBrk="1" latinLnBrk="0" hangingPunct="1">
+      <a:defRPr sz="1200" kern="1200">
+        <a:solidFill>
+          <a:schemeClr val="tx1"/>
+        </a:solidFill>
+        <a:latin typeface="+mn-lt"/>
+        <a:ea typeface="+mn-ea"/>
+        <a:cs typeface="+mn-cs"/>
+      </a:defRPr>
+    </a:lvl8pPr>
+    <a:lvl9pPr marL="3657600" algn="l" defTabSz="914400" rtl="0" eaLnBrk="1" latinLnBrk="0" hangingPunct="1">
+      <a:defRPr sz="1200" kern="1200">
+        <a:solidFill>
+          <a:schemeClr val="tx1"/>
+        </a:solidFill>
+        <a:latin typeface="+mn-lt"/>
+        <a:ea typeface="+mn-ea"/>
+        <a:cs typeface="+mn-cs"/>
+      </a:defRPr>
+    </a:lvl9pPr>
+  </p:notesStyle>
+</p:notesMaster>
+</file>
+
+<file path=ppt/notesSlides/notesSlide1.xml><?xml version="1.0" encoding="utf-8"?>
+<p:notes xmlns:a="http://schemas.openxmlformats.org/drawingml/2006/main" xmlns:r="http://schemas.openxmlformats.org/officeDocument/2006/relationships" xmlns:p="http://schemas.openxmlformats.org/presentationml/2006/main">
+  <p:cSld>
+    <p:spTree>
+      <p:nvGrpSpPr>
+        <p:cNvPr id="1" name=""/>
+        <p:cNvGrpSpPr/>
+        <p:nvPr/>
+      </p:nvGrpSpPr>
+      <p:grpSpPr>
+        <a:xfrm>
+          <a:off x="0" y="0"/>
+          <a:ext cx="0" cy="0"/>
+          <a:chOff x="0" y="0"/>
+          <a:chExt cx="0" cy="0"/>
+        </a:xfrm>
+      </p:grpSpPr>
+      <p:sp>
+        <p:nvSpPr>
+          <p:cNvPr id="2" name="幻灯片图像占位符 1"/>
+          <p:cNvSpPr>
+            <a:spLocks noGrp="1" noRot="1" noChangeAspect="1"/>
+          </p:cNvSpPr>
+          <p:nvPr>
+            <p:ph type="sldImg"/>
+          </p:nvPr>
+        </p:nvSpPr>
+        <p:spPr/>
+      </p:sp>
+      <p:sp>
+        <p:nvSpPr>
+          <p:cNvPr id="3" name="备注占位符 2"/>
+          <p:cNvSpPr>
+            <a:spLocks noGrp="1"/>
+          </p:cNvSpPr>
+          <p:nvPr>
+            <p:ph type="body" idx="1"/>
+          </p:nvPr>
+        </p:nvSpPr>
+        <p:spPr/>
+        <p:txBody>
+          <a:bodyPr/>
+          <a:lstStyle/>
+          <a:p>
+            <a:endParaRPr lang="zh-CN" altLang="en-US" dirty="0"/>
+          </a:p>
+        </p:txBody>
+      </p:sp>
+      <p:sp>
+        <p:nvSpPr>
+          <p:cNvPr id="4" name="灯片编号占位符 3"/>
+          <p:cNvSpPr>
+            <a:spLocks noGrp="1"/>
+          </p:cNvSpPr>
+          <p:nvPr>
+            <p:ph type="sldNum" sz="quarter" idx="10"/>
+          </p:nvPr>
+        </p:nvSpPr>
+        <p:spPr/>
+        <p:txBody>
+          <a:bodyPr/>
+          <a:lstStyle/>
+          <a:p>
+            <a:fld id="{9964C1E3-04CC-4C8A-9DF9-5C12A4C21C9E}" type="slidenum">
+              <a:rPr lang="zh-CN" altLang="en-US" smtClean="0"/>
+              <a:t>4</a:t>
+            </a:fld>
+            <a:endParaRPr lang="zh-CN" altLang="en-US"/>
+          </a:p>
+        </p:txBody>
+      </p:sp>
+    </p:spTree>
+    <p:extLst>
+      <p:ext uri="{BB962C8B-B14F-4D97-AF65-F5344CB8AC3E}">
+        <p14:creationId xmlns:p14="http://schemas.microsoft.com/office/powerpoint/2010/main" val="3040054454"/>
+      </p:ext>
+    </p:extLst>
+  </p:cSld>
+  <p:clrMapOvr>
+    <a:masterClrMapping/>
+  </p:clrMapOvr>
+</p:notes>
+</file>
+
 <file path=ppt/slideLayouts/slideLayout1.xml><?xml version="1.0" encoding="utf-8"?>
 <p:sldLayout xmlns:a="http://schemas.openxmlformats.org/drawingml/2006/main" xmlns:r="http://schemas.openxmlformats.org/officeDocument/2006/relationships" xmlns:p="http://schemas.openxmlformats.org/presentationml/2006/main" type="title" preserve="1">
   <p:cSld name="标题幻灯片">
@@ -333,7 +770,7 @@
           <a:p>
             <a:fld id="{530820CF-B880-4189-942D-D702A7CBA730}" type="datetimeFigureOut">
               <a:rPr lang="zh-CN" altLang="en-US" smtClean="0"/>
-              <a:t>2024/4/7</a:t>
+              <a:t>2024/4/16</a:t>
             </a:fld>
             <a:endParaRPr lang="zh-CN" altLang="en-US"/>
           </a:p>
@@ -520,7 +957,7 @@
           <a:p>
             <a:fld id="{530820CF-B880-4189-942D-D702A7CBA730}" type="datetimeFigureOut">
               <a:rPr lang="zh-CN" altLang="en-US" smtClean="0"/>
-              <a:t>2024/4/7</a:t>
+              <a:t>2024/4/16</a:t>
             </a:fld>
             <a:endParaRPr lang="zh-CN" altLang="en-US"/>
           </a:p>
@@ -695,7 +1132,7 @@
           <a:p>
             <a:fld id="{530820CF-B880-4189-942D-D702A7CBA730}" type="datetimeFigureOut">
               <a:rPr lang="zh-CN" altLang="en-US" smtClean="0"/>
-              <a:t>2024/4/7</a:t>
+              <a:t>2024/4/16</a:t>
             </a:fld>
             <a:endParaRPr lang="zh-CN" altLang="en-US"/>
           </a:p>
@@ -875,7 +1312,7 @@
           <a:p>
             <a:fld id="{530820CF-B880-4189-942D-D702A7CBA730}" type="datetimeFigureOut">
               <a:rPr lang="zh-CN" altLang="en-US" smtClean="0"/>
-              <a:t>2024/4/7</a:t>
+              <a:t>2024/4/16</a:t>
             </a:fld>
             <a:endParaRPr lang="zh-CN" altLang="en-US"/>
           </a:p>
@@ -1122,7 +1559,7 @@
           <a:p>
             <a:fld id="{530820CF-B880-4189-942D-D702A7CBA730}" type="datetimeFigureOut">
               <a:rPr lang="zh-CN" altLang="en-US" smtClean="0"/>
-              <a:t>2024/4/7</a:t>
+              <a:t>2024/4/16</a:t>
             </a:fld>
             <a:endParaRPr lang="zh-CN" altLang="en-US"/>
           </a:p>
@@ -1596,7 +2033,7 @@
           <a:p>
             <a:fld id="{530820CF-B880-4189-942D-D702A7CBA730}" type="datetimeFigureOut">
               <a:rPr lang="zh-CN" altLang="en-US" smtClean="0"/>
-              <a:t>2024/4/7</a:t>
+              <a:t>2024/4/16</a:t>
             </a:fld>
             <a:endParaRPr lang="zh-CN" altLang="en-US"/>
           </a:p>
@@ -2011,7 +2448,7 @@
           <a:p>
             <a:fld id="{530820CF-B880-4189-942D-D702A7CBA730}" type="datetimeFigureOut">
               <a:rPr lang="zh-CN" altLang="en-US" smtClean="0"/>
-              <a:t>2024/4/7</a:t>
+              <a:t>2024/4/16</a:t>
             </a:fld>
             <a:endParaRPr lang="zh-CN" altLang="en-US"/>
           </a:p>
@@ -2142,7 +2579,7 @@
           <a:p>
             <a:fld id="{530820CF-B880-4189-942D-D702A7CBA730}" type="datetimeFigureOut">
               <a:rPr lang="zh-CN" altLang="en-US" smtClean="0"/>
-              <a:t>2024/4/7</a:t>
+              <a:t>2024/4/16</a:t>
             </a:fld>
             <a:endParaRPr lang="zh-CN" altLang="en-US"/>
           </a:p>
@@ -2237,7 +2674,7 @@
           <a:p>
             <a:fld id="{530820CF-B880-4189-942D-D702A7CBA730}" type="datetimeFigureOut">
               <a:rPr lang="zh-CN" altLang="en-US" smtClean="0"/>
-              <a:t>2024/4/7</a:t>
+              <a:t>2024/4/16</a:t>
             </a:fld>
             <a:endParaRPr lang="zh-CN" altLang="en-US"/>
           </a:p>
@@ -2515,7 +2952,7 @@
           <a:p>
             <a:fld id="{530820CF-B880-4189-942D-D702A7CBA730}" type="datetimeFigureOut">
               <a:rPr lang="zh-CN" altLang="en-US" smtClean="0"/>
-              <a:t>2024/4/7</a:t>
+              <a:t>2024/4/16</a:t>
             </a:fld>
             <a:endParaRPr lang="zh-CN" altLang="en-US"/>
           </a:p>
@@ -2767,7 +3204,7 @@
           <a:p>
             <a:fld id="{530820CF-B880-4189-942D-D702A7CBA730}" type="datetimeFigureOut">
               <a:rPr lang="zh-CN" altLang="en-US" smtClean="0"/>
-              <a:t>2024/4/7</a:t>
+              <a:t>2024/4/16</a:t>
             </a:fld>
             <a:endParaRPr lang="zh-CN" altLang="en-US"/>
           </a:p>
@@ -3139,7 +3576,7 @@
           <a:p>
             <a:fld id="{530820CF-B880-4189-942D-D702A7CBA730}" type="datetimeFigureOut">
               <a:rPr lang="zh-CN" altLang="en-US" smtClean="0"/>
-              <a:t>2024/4/7</a:t>
+              <a:t>2024/4/16</a:t>
             </a:fld>
             <a:endParaRPr lang="zh-CN" altLang="en-US"/>
           </a:p>
@@ -3578,14 +4015,21 @@
                 <a:latin typeface="微软雅黑" pitchFamily="34" charset="-122"/>
                 <a:ea typeface="微软雅黑" pitchFamily="34" charset="-122"/>
               </a:rPr>
-              <a:t>BodhiEC</a:t>
+              <a:t>BodhiB2B</a:t>
             </a:r>
             <a:r>
               <a:rPr lang="zh-CN" altLang="en-US" b="1" dirty="0" smtClean="0">
                 <a:latin typeface="微软雅黑" pitchFamily="34" charset="-122"/>
                 <a:ea typeface="微软雅黑" pitchFamily="34" charset="-122"/>
               </a:rPr>
-              <a:t>开发教程</a:t>
+              <a:t>开发</a:t>
+            </a:r>
+            <a:r>
+              <a:rPr lang="zh-CN" altLang="en-US" b="1" dirty="0" smtClean="0">
+                <a:latin typeface="微软雅黑" pitchFamily="34" charset="-122"/>
+                <a:ea typeface="微软雅黑" pitchFamily="34" charset="-122"/>
+              </a:rPr>
+              <a:t>教程</a:t>
             </a:r>
             <a:endParaRPr lang="zh-CN" altLang="en-US" b="1" dirty="0">
               <a:latin typeface="微软雅黑" pitchFamily="34" charset="-122"/>
@@ -3694,7 +4138,7 @@
       </p:grpSpPr>
       <p:sp>
         <p:nvSpPr>
-          <p:cNvPr id="3" name="内容占位符 2"/>
+          <p:cNvPr id="12" name="内容占位符 2"/>
           <p:cNvSpPr>
             <a:spLocks noGrp="1"/>
           </p:cNvSpPr>
@@ -3780,7 +4224,7 @@
       </p:sp>
       <p:sp>
         <p:nvSpPr>
-          <p:cNvPr id="4" name="标题 1"/>
+          <p:cNvPr id="13" name="标题 1"/>
           <p:cNvSpPr>
             <a:spLocks noGrp="1"/>
           </p:cNvSpPr>
@@ -3800,20 +4244,33 @@
           <a:p>
             <a:r>
               <a:rPr lang="en-US" altLang="zh-CN" dirty="0"/>
-              <a:t>1.</a:t>
+              <a:t>1</a:t>
+            </a:r>
+            <a:r>
+              <a:rPr lang="en-US" altLang="zh-CN" dirty="0" smtClean="0"/>
+              <a:t>.</a:t>
+            </a:r>
+            <a:r>
+              <a:rPr lang="zh-CN" altLang="en-US" dirty="0" smtClean="0"/>
+              <a:t> </a:t>
+            </a:r>
+            <a:r>
+              <a:rPr lang="en-US" altLang="zh-CN" dirty="0" smtClean="0"/>
+              <a:t>BodhiB2B</a:t>
+            </a:r>
+            <a:r>
+              <a:rPr lang="zh-CN" altLang="en-US" dirty="0" smtClean="0"/>
+              <a:t>菩提</a:t>
             </a:r>
             <a:r>
               <a:rPr lang="zh-CN" altLang="en-US" dirty="0"/>
-              <a:t>认识</a:t>
-            </a:r>
-            <a:r>
-              <a:rPr lang="en-US" altLang="zh-CN" dirty="0"/>
-              <a:t>BodhiEC</a:t>
-            </a:r>
-            <a:r>
-              <a:rPr lang="zh-CN" altLang="en-US" dirty="0"/>
-              <a:t>菩提大电商</a:t>
-            </a:r>
+              <a:t>大电</a:t>
+            </a:r>
+            <a:r>
+              <a:rPr lang="zh-CN" altLang="en-US" dirty="0" smtClean="0"/>
+              <a:t>商概述</a:t>
+            </a:r>
+            <a:endParaRPr lang="zh-CN" altLang="en-US" dirty="0"/>
           </a:p>
         </p:txBody>
       </p:sp>
@@ -3856,7 +4313,7 @@
       </p:grpSpPr>
       <p:sp>
         <p:nvSpPr>
-          <p:cNvPr id="2" name="标题 1"/>
+          <p:cNvPr id="10" name="标题 1"/>
           <p:cNvSpPr>
             <a:spLocks noGrp="1"/>
           </p:cNvSpPr>
@@ -3875,19 +4332,32 @@
           <a:lstStyle/>
           <a:p>
             <a:r>
-              <a:rPr lang="en-US" altLang="zh-CN" dirty="0"/>
-              <a:t>2.BodhiEC</a:t>
+              <a:rPr lang="en-US" altLang="zh-CN" dirty="0" smtClean="0"/>
+              <a:t>2.BodhiB2B</a:t>
+            </a:r>
+            <a:r>
+              <a:rPr lang="zh-CN" altLang="en-US" dirty="0" smtClean="0"/>
+              <a:t>开发</a:t>
             </a:r>
             <a:r>
               <a:rPr lang="zh-CN" altLang="en-US" dirty="0"/>
-              <a:t>开发环境安装</a:t>
-            </a:r>
-          </a:p>
-        </p:txBody>
-      </p:sp>
-      <p:sp>
-        <p:nvSpPr>
-          <p:cNvPr id="3" name="内容占位符 2"/>
+              <a:t>环境</a:t>
+            </a:r>
+            <a:r>
+              <a:rPr lang="zh-CN" altLang="en-US" dirty="0" smtClean="0"/>
+              <a:t>安装</a:t>
+            </a:r>
+            <a:r>
+              <a:rPr lang="zh-CN" altLang="en-US" dirty="0"/>
+              <a:t>教程</a:t>
+            </a:r>
+            <a:endParaRPr lang="zh-CN" altLang="en-US" dirty="0"/>
+          </a:p>
+        </p:txBody>
+      </p:sp>
+      <p:sp>
+        <p:nvSpPr>
+          <p:cNvPr id="11" name="内容占位符 2"/>
           <p:cNvSpPr>
             <a:spLocks noGrp="1"/>
           </p:cNvSpPr>
@@ -3937,7 +4407,11 @@
             </a:r>
             <a:r>
               <a:rPr lang="en-US" altLang="zh-CN" dirty="0" smtClean="0"/>
-              <a:t>Linux/Mysql/SSH/WEB/git/svn</a:t>
+              <a:t>Linux/Mysql/SSH/WEB/GIT</a:t>
+            </a:r>
+            <a:r>
+              <a:rPr lang="en-US" altLang="zh-CN" dirty="0" smtClean="0"/>
+              <a:t>……</a:t>
             </a:r>
             <a:r>
               <a:rPr lang="zh-CN" altLang="en-US" dirty="0" smtClean="0"/>
@@ -4009,7 +4483,7 @@
       </p:grpSpPr>
       <p:sp>
         <p:nvSpPr>
-          <p:cNvPr id="2" name="标题 1"/>
+          <p:cNvPr id="10" name="标题 1"/>
           <p:cNvSpPr>
             <a:spLocks noGrp="1"/>
           </p:cNvSpPr>
@@ -4045,7 +4519,7 @@
       </p:sp>
       <p:sp>
         <p:nvSpPr>
-          <p:cNvPr id="3" name="内容占位符 2"/>
+          <p:cNvPr id="11" name="内容占位符 2"/>
           <p:cNvSpPr>
             <a:spLocks noGrp="1"/>
           </p:cNvSpPr>
@@ -4069,7 +4543,7 @@
               <a:buNone/>
             </a:pPr>
             <a:r>
-              <a:rPr lang="zh-CN" altLang="en-US" b="1" dirty="0">
+              <a:rPr lang="zh-CN" altLang="en-US" b="1" dirty="0" smtClean="0">
                 <a:solidFill>
                   <a:schemeClr val="accent2">
                     <a:lumMod val="60000"/>
@@ -4091,7 +4565,11 @@
           <a:p>
             <a:r>
               <a:rPr lang="zh-CN" altLang="en-US" dirty="0" smtClean="0"/>
-              <a:t>全球大环境的问题</a:t>
+              <a:t>全球</a:t>
+            </a:r>
+            <a:r>
+              <a:rPr lang="zh-CN" altLang="en-US" dirty="0" smtClean="0"/>
+              <a:t>大环境的问题</a:t>
             </a:r>
             <a:endParaRPr lang="en-US" altLang="zh-CN" dirty="0" smtClean="0"/>
           </a:p>
@@ -4161,7 +4639,7 @@
       </p:grpSpPr>
       <p:sp>
         <p:nvSpPr>
-          <p:cNvPr id="2" name="标题 1"/>
+          <p:cNvPr id="10" name="标题 1"/>
           <p:cNvSpPr>
             <a:spLocks noGrp="1"/>
           </p:cNvSpPr>
@@ -4197,7 +4675,7 @@
       </p:sp>
       <p:sp>
         <p:nvSpPr>
-          <p:cNvPr id="3" name="内容占位符 2"/>
+          <p:cNvPr id="11" name="内容占位符 2"/>
           <p:cNvSpPr>
             <a:spLocks noGrp="1"/>
           </p:cNvSpPr>
@@ -4295,7 +4773,7 @@
       </p:grpSpPr>
       <p:sp>
         <p:nvSpPr>
-          <p:cNvPr id="2" name="标题 1"/>
+          <p:cNvPr id="10" name="标题 1"/>
           <p:cNvSpPr>
             <a:spLocks noGrp="1"/>
           </p:cNvSpPr>
@@ -4322,19 +4800,23 @@
               <a:t>通过学习</a:t>
             </a:r>
             <a:r>
-              <a:rPr lang="en-US" altLang="zh-CN" dirty="0"/>
-              <a:t>BodhiEC</a:t>
+              <a:rPr lang="en-US" altLang="zh-CN" dirty="0" smtClean="0"/>
+              <a:t>BodhiB2B</a:t>
+            </a:r>
+            <a:r>
+              <a:rPr lang="zh-CN" altLang="en-US" dirty="0" smtClean="0"/>
+              <a:t>找到</a:t>
             </a:r>
             <a:r>
               <a:rPr lang="zh-CN" altLang="en-US" dirty="0"/>
-              <a:t>找到职业方向</a:t>
-            </a:r>
-          </a:p>
-        </p:txBody>
-      </p:sp>
-      <p:sp>
-        <p:nvSpPr>
-          <p:cNvPr id="3" name="内容占位符 2"/>
+              <a:t>职业方向</a:t>
+            </a:r>
+          </a:p>
+        </p:txBody>
+      </p:sp>
+      <p:sp>
+        <p:nvSpPr>
+          <p:cNvPr id="11" name="内容占位符 2"/>
           <p:cNvSpPr>
             <a:spLocks noGrp="1"/>
           </p:cNvSpPr>
@@ -4344,8 +4826,8 @@
         </p:nvSpPr>
         <p:spPr>
           <a:xfrm>
-            <a:off x="899592" y="1916832"/>
-            <a:ext cx="5842992" cy="4680520"/>
+            <a:off x="899592" y="1700808"/>
+            <a:ext cx="3744416" cy="4680520"/>
           </a:xfrm>
         </p:spPr>
         <p:txBody>
@@ -4366,18 +4848,7 @@
                   </a:schemeClr>
                 </a:solidFill>
               </a:rPr>
-              <a:t>主流</a:t>
-            </a:r>
-            <a:r>
-              <a:rPr lang="zh-CN" altLang="en-US" b="1" dirty="0" smtClean="0">
-                <a:solidFill>
-                  <a:schemeClr val="accent2">
-                    <a:lumMod val="60000"/>
-                    <a:lumOff val="40000"/>
-                  </a:schemeClr>
-                </a:solidFill>
-              </a:rPr>
-              <a:t>计算机岗位</a:t>
+              <a:t>主流计算机岗位</a:t>
             </a:r>
             <a:endParaRPr lang="en-US" altLang="zh-CN" b="1" dirty="0" smtClean="0">
               <a:solidFill>
@@ -4391,7 +4862,53 @@
           <a:p>
             <a:r>
               <a:rPr lang="zh-CN" altLang="en-US" dirty="0" smtClean="0"/>
-              <a:t>前端</a:t>
+              <a:t>前端工程师</a:t>
+            </a:r>
+            <a:endParaRPr lang="en-US" altLang="zh-CN" dirty="0" smtClean="0"/>
+          </a:p>
+          <a:p>
+            <a:r>
+              <a:rPr lang="zh-CN" altLang="en-US" dirty="0" smtClean="0"/>
+              <a:t>后端工程师</a:t>
+            </a:r>
+            <a:endParaRPr lang="en-US" altLang="zh-CN" dirty="0" smtClean="0"/>
+          </a:p>
+          <a:p>
+            <a:r>
+              <a:rPr lang="zh-CN" altLang="en-US" dirty="0" smtClean="0"/>
+              <a:t>运维工程师</a:t>
+            </a:r>
+            <a:endParaRPr lang="en-US" altLang="zh-CN" dirty="0" smtClean="0"/>
+          </a:p>
+          <a:p>
+            <a:r>
+              <a:rPr lang="zh-CN" altLang="en-US" dirty="0" smtClean="0"/>
+              <a:t>测试工程师</a:t>
+            </a:r>
+            <a:endParaRPr lang="en-US" altLang="zh-CN" dirty="0"/>
+          </a:p>
+          <a:p>
+            <a:r>
+              <a:rPr lang="zh-CN" altLang="en-US" dirty="0"/>
+              <a:t>产品</a:t>
+            </a:r>
+            <a:r>
+              <a:rPr lang="zh-CN" altLang="en-US" dirty="0" smtClean="0"/>
+              <a:t>设计</a:t>
+            </a:r>
+            <a:endParaRPr lang="en-US" altLang="zh-CN" dirty="0" smtClean="0"/>
+          </a:p>
+          <a:p>
+            <a:r>
+              <a:rPr lang="zh-CN" altLang="en-US" dirty="0" smtClean="0"/>
+              <a:t>安卓工程师</a:t>
+            </a:r>
+            <a:endParaRPr lang="en-US" altLang="zh-CN" dirty="0" smtClean="0"/>
+          </a:p>
+          <a:p>
+            <a:r>
+              <a:rPr lang="en-US" altLang="zh-CN" dirty="0" smtClean="0"/>
+              <a:t>IOS</a:t>
             </a:r>
             <a:r>
               <a:rPr lang="zh-CN" altLang="en-US" dirty="0" smtClean="0"/>
@@ -4402,59 +4919,252 @@
           <a:p>
             <a:r>
               <a:rPr lang="zh-CN" altLang="en-US" dirty="0" smtClean="0"/>
-              <a:t>后端工程师</a:t>
-            </a:r>
+              <a:t>游戏工程师</a:t>
+            </a:r>
+            <a:endParaRPr lang="en-US" altLang="zh-CN" dirty="0"/>
+          </a:p>
+        </p:txBody>
+      </p:sp>
+      <p:sp>
+        <p:nvSpPr>
+          <p:cNvPr id="12" name="内容占位符 2"/>
+          <p:cNvSpPr txBox="1">
+            <a:spLocks/>
+          </p:cNvSpPr>
+          <p:nvPr/>
+        </p:nvSpPr>
+        <p:spPr>
+          <a:xfrm>
+            <a:off x="4355976" y="1700808"/>
+            <a:ext cx="4464496" cy="4680520"/>
+          </a:xfrm>
+          <a:prstGeom prst="rect">
+            <a:avLst/>
+          </a:prstGeom>
+        </p:spPr>
+        <p:txBody>
+          <a:bodyPr vert="horz" anchor="t">
+            <a:normAutofit/>
+          </a:bodyPr>
+          <a:lstStyle>
+            <a:lvl1pPr marL="448056" indent="-384048" algn="l" rtl="0" eaLnBrk="1" latinLnBrk="0" hangingPunct="1">
+              <a:spcBef>
+                <a:spcPct val="20000"/>
+              </a:spcBef>
+              <a:buClr>
+                <a:schemeClr val="accent1"/>
+              </a:buClr>
+              <a:buSzPct val="80000"/>
+              <a:buFont typeface="Wingdings 2"/>
+              <a:buChar char=""/>
+              <a:defRPr kumimoji="0" sz="3000" kern="1200">
+                <a:solidFill>
+                  <a:schemeClr val="tx1"/>
+                </a:solidFill>
+                <a:latin typeface="+mn-lt"/>
+                <a:ea typeface="+mn-ea"/>
+                <a:cs typeface="+mn-cs"/>
+              </a:defRPr>
+            </a:lvl1pPr>
+            <a:lvl2pPr marL="822960" indent="-285750" algn="l" rtl="0" eaLnBrk="1" latinLnBrk="0" hangingPunct="1">
+              <a:spcBef>
+                <a:spcPct val="20000"/>
+              </a:spcBef>
+              <a:buClr>
+                <a:schemeClr val="accent1"/>
+              </a:buClr>
+              <a:buSzPct val="95000"/>
+              <a:buFont typeface="Verdana"/>
+              <a:buChar char="›"/>
+              <a:defRPr kumimoji="0" sz="2600" kern="1200">
+                <a:solidFill>
+                  <a:schemeClr val="tx1"/>
+                </a:solidFill>
+                <a:latin typeface="+mn-lt"/>
+                <a:ea typeface="+mn-ea"/>
+                <a:cs typeface="+mn-cs"/>
+              </a:defRPr>
+            </a:lvl2pPr>
+            <a:lvl3pPr marL="1106424" indent="-228600" algn="l" rtl="0" eaLnBrk="1" latinLnBrk="0" hangingPunct="1">
+              <a:spcBef>
+                <a:spcPct val="20000"/>
+              </a:spcBef>
+              <a:buClr>
+                <a:schemeClr val="accent1"/>
+              </a:buClr>
+              <a:buFont typeface="Wingdings 2"/>
+              <a:buChar char=""/>
+              <a:defRPr kumimoji="0" sz="2400" kern="1200">
+                <a:solidFill>
+                  <a:schemeClr val="tx1"/>
+                </a:solidFill>
+                <a:latin typeface="+mn-lt"/>
+                <a:ea typeface="+mn-ea"/>
+                <a:cs typeface="+mn-cs"/>
+              </a:defRPr>
+            </a:lvl3pPr>
+            <a:lvl4pPr marL="1371600" indent="-210312" algn="l" rtl="0" eaLnBrk="1" latinLnBrk="0" hangingPunct="1">
+              <a:spcBef>
+                <a:spcPct val="20000"/>
+              </a:spcBef>
+              <a:buClr>
+                <a:schemeClr val="accent1"/>
+              </a:buClr>
+              <a:buFont typeface="Wingdings 2"/>
+              <a:buChar char=""/>
+              <a:defRPr kumimoji="0" sz="2000" kern="1200">
+                <a:solidFill>
+                  <a:schemeClr val="tx1"/>
+                </a:solidFill>
+                <a:latin typeface="+mn-lt"/>
+                <a:ea typeface="+mn-ea"/>
+                <a:cs typeface="+mn-cs"/>
+              </a:defRPr>
+            </a:lvl4pPr>
+            <a:lvl5pPr marL="1600200" indent="-210312" algn="l" rtl="0" eaLnBrk="1" latinLnBrk="0" hangingPunct="1">
+              <a:spcBef>
+                <a:spcPct val="20000"/>
+              </a:spcBef>
+              <a:buClr>
+                <a:schemeClr val="accent1">
+                  <a:tint val="75000"/>
+                </a:schemeClr>
+              </a:buClr>
+              <a:buFont typeface="Wingdings 2"/>
+              <a:buChar char=""/>
+              <a:defRPr kumimoji="0" sz="1900" kern="1200">
+                <a:solidFill>
+                  <a:schemeClr val="tx1"/>
+                </a:solidFill>
+                <a:latin typeface="+mn-lt"/>
+                <a:ea typeface="+mn-ea"/>
+                <a:cs typeface="+mn-cs"/>
+              </a:defRPr>
+            </a:lvl5pPr>
+            <a:lvl6pPr marL="1828800" indent="-210312" algn="l" rtl="0" eaLnBrk="1" latinLnBrk="0" hangingPunct="1">
+              <a:spcBef>
+                <a:spcPct val="20000"/>
+              </a:spcBef>
+              <a:buClr>
+                <a:schemeClr val="accent1">
+                  <a:tint val="75000"/>
+                </a:schemeClr>
+              </a:buClr>
+              <a:buFont typeface="Wingdings 2"/>
+              <a:buChar char=""/>
+              <a:defRPr kumimoji="0" sz="1800" kern="1200">
+                <a:solidFill>
+                  <a:schemeClr val="tx1"/>
+                </a:solidFill>
+                <a:latin typeface="+mn-lt"/>
+                <a:ea typeface="+mn-ea"/>
+                <a:cs typeface="+mn-cs"/>
+              </a:defRPr>
+            </a:lvl6pPr>
+            <a:lvl7pPr marL="2084832" indent="-210312" algn="l" rtl="0" eaLnBrk="1" latinLnBrk="0" hangingPunct="1">
+              <a:spcBef>
+                <a:spcPct val="20000"/>
+              </a:spcBef>
+              <a:buClr>
+                <a:schemeClr val="accent1">
+                  <a:tint val="75000"/>
+                </a:schemeClr>
+              </a:buClr>
+              <a:buFont typeface="Wingdings 2"/>
+              <a:buChar char=""/>
+              <a:defRPr kumimoji="0" sz="1600" kern="1200">
+                <a:solidFill>
+                  <a:schemeClr val="tx1"/>
+                </a:solidFill>
+                <a:latin typeface="+mn-lt"/>
+                <a:ea typeface="+mn-ea"/>
+                <a:cs typeface="+mn-cs"/>
+              </a:defRPr>
+            </a:lvl7pPr>
+            <a:lvl8pPr marL="2286000" indent="-182880" algn="l" rtl="0" eaLnBrk="1" latinLnBrk="0" hangingPunct="1">
+              <a:spcBef>
+                <a:spcPct val="20000"/>
+              </a:spcBef>
+              <a:buClr>
+                <a:schemeClr val="accent1">
+                  <a:tint val="75000"/>
+                </a:schemeClr>
+              </a:buClr>
+              <a:buFont typeface="Wingdings 2"/>
+              <a:buChar char=""/>
+              <a:defRPr kumimoji="0" sz="1600" kern="1200">
+                <a:solidFill>
+                  <a:schemeClr val="tx1"/>
+                </a:solidFill>
+                <a:latin typeface="+mn-lt"/>
+                <a:ea typeface="+mn-ea"/>
+                <a:cs typeface="+mn-cs"/>
+              </a:defRPr>
+            </a:lvl8pPr>
+            <a:lvl9pPr marL="2514600" indent="-182880" algn="l" rtl="0" eaLnBrk="1" latinLnBrk="0" hangingPunct="1">
+              <a:spcBef>
+                <a:spcPct val="20000"/>
+              </a:spcBef>
+              <a:buClr>
+                <a:schemeClr val="accent1">
+                  <a:tint val="75000"/>
+                </a:schemeClr>
+              </a:buClr>
+              <a:buFont typeface="Wingdings 2"/>
+              <a:buChar char=""/>
+              <a:defRPr kumimoji="0" sz="1600" kern="1200">
+                <a:solidFill>
+                  <a:schemeClr val="tx1"/>
+                </a:solidFill>
+                <a:latin typeface="+mn-lt"/>
+                <a:ea typeface="+mn-ea"/>
+                <a:cs typeface="+mn-cs"/>
+              </a:defRPr>
+            </a:lvl9pPr>
+          </a:lstStyle>
+          <a:p>
+            <a:pPr marL="64008" indent="0">
+              <a:buNone/>
+            </a:pPr>
             <a:endParaRPr lang="en-US" altLang="zh-CN" dirty="0" smtClean="0"/>
           </a:p>
           <a:p>
             <a:r>
               <a:rPr lang="zh-CN" altLang="en-US" dirty="0" smtClean="0"/>
-              <a:t>运维工程师</a:t>
+              <a:t>技术经理</a:t>
             </a:r>
             <a:endParaRPr lang="en-US" altLang="zh-CN" dirty="0" smtClean="0"/>
           </a:p>
           <a:p>
             <a:r>
               <a:rPr lang="zh-CN" altLang="en-US" dirty="0" smtClean="0"/>
-              <a:t>测试工程师</a:t>
-            </a:r>
-            <a:endParaRPr lang="en-US" altLang="zh-CN" dirty="0"/>
-          </a:p>
-          <a:p>
-            <a:r>
-              <a:rPr lang="zh-CN" altLang="en-US" dirty="0"/>
-              <a:t>产品</a:t>
-            </a:r>
+              <a:t>技术总监</a:t>
+            </a:r>
+            <a:endParaRPr lang="en-US" altLang="zh-CN" dirty="0" smtClean="0"/>
+          </a:p>
+          <a:p>
             <a:r>
               <a:rPr lang="zh-CN" altLang="en-US" dirty="0" smtClean="0"/>
-              <a:t>设计</a:t>
+              <a:t>数据工程师</a:t>
             </a:r>
             <a:endParaRPr lang="en-US" altLang="zh-CN" dirty="0" smtClean="0"/>
           </a:p>
           <a:p>
             <a:r>
               <a:rPr lang="zh-CN" altLang="en-US" dirty="0" smtClean="0"/>
-              <a:t>安卓工程师</a:t>
+              <a:t>算法工程师</a:t>
             </a:r>
             <a:endParaRPr lang="en-US" altLang="zh-CN" dirty="0" smtClean="0"/>
           </a:p>
           <a:p>
             <a:r>
-              <a:rPr lang="en-US" altLang="zh-CN" dirty="0" smtClean="0"/>
-              <a:t>IOS</a:t>
-            </a:r>
-            <a:r>
               <a:rPr lang="zh-CN" altLang="en-US" dirty="0" smtClean="0"/>
-              <a:t>工程师</a:t>
-            </a:r>
+              <a:t>人工智能开发工程师</a:t>
+            </a:r>
+            <a:endParaRPr lang="en-US" altLang="zh-CN" smtClean="0"/>
+          </a:p>
+          <a:p>
             <a:endParaRPr lang="en-US" altLang="zh-CN" dirty="0" smtClean="0"/>
-          </a:p>
-          <a:p>
-            <a:r>
-              <a:rPr lang="zh-CN" altLang="en-US" dirty="0" smtClean="0"/>
-              <a:t>游戏客户端工程师</a:t>
-            </a:r>
-            <a:endParaRPr lang="en-US" altLang="zh-CN" dirty="0"/>
           </a:p>
         </p:txBody>
       </p:sp>
@@ -4490,7 +5200,7 @@
       </p:grpSpPr>
       <p:sp>
         <p:nvSpPr>
-          <p:cNvPr id="2" name="标题 1"/>
+          <p:cNvPr id="6" name="标题 1"/>
           <p:cNvSpPr>
             <a:spLocks noGrp="1"/>
           </p:cNvSpPr>
@@ -4498,7 +5208,12 @@
             <p:ph type="title"/>
           </p:nvPr>
         </p:nvSpPr>
-        <p:spPr/>
+        <p:spPr>
+          <a:xfrm>
+            <a:off x="457200" y="267494"/>
+            <a:ext cx="8229600" cy="1399032"/>
+          </a:xfrm>
+        </p:spPr>
         <p:txBody>
           <a:bodyPr/>
           <a:lstStyle/>
@@ -4516,7 +5231,7 @@
       </p:sp>
       <p:sp>
         <p:nvSpPr>
-          <p:cNvPr id="3" name="内容占位符 2"/>
+          <p:cNvPr id="7" name="内容占位符 2"/>
           <p:cNvSpPr>
             <a:spLocks noGrp="1"/>
           </p:cNvSpPr>
@@ -4531,8 +5246,60 @@
           </a:xfrm>
         </p:spPr>
         <p:txBody>
-          <a:bodyPr/>
+          <a:bodyPr>
+            <a:normAutofit/>
+          </a:bodyPr>
           <a:lstStyle/>
+          <a:p>
+            <a:pPr marL="64008" indent="0">
+              <a:buNone/>
+            </a:pPr>
+            <a:r>
+              <a:rPr lang="zh-CN" altLang="en-US" b="1" dirty="0" smtClean="0">
+                <a:solidFill>
+                  <a:schemeClr val="accent2">
+                    <a:lumMod val="60000"/>
+                    <a:lumOff val="40000"/>
+                  </a:schemeClr>
+                </a:solidFill>
+              </a:rPr>
+              <a:t>对待</a:t>
+            </a:r>
+            <a:r>
+              <a:rPr lang="en-US" altLang="zh-CN" b="1" dirty="0" smtClean="0">
+                <a:solidFill>
+                  <a:schemeClr val="accent2">
+                    <a:lumMod val="60000"/>
+                    <a:lumOff val="40000"/>
+                  </a:schemeClr>
+                </a:solidFill>
+              </a:rPr>
+              <a:t>IT</a:t>
+            </a:r>
+            <a:r>
+              <a:rPr lang="zh-CN" altLang="en-US" b="1" dirty="0">
+                <a:solidFill>
+                  <a:schemeClr val="accent2">
+                    <a:lumMod val="60000"/>
+                    <a:lumOff val="40000"/>
+                  </a:schemeClr>
+                </a:solidFill>
+              </a:rPr>
+              <a:t>的</a:t>
+            </a:r>
+            <a:r>
+              <a:rPr lang="zh-CN" altLang="en-US" b="1" dirty="0" smtClean="0">
+                <a:solidFill>
+                  <a:schemeClr val="accent2">
+                    <a:lumMod val="60000"/>
+                    <a:lumOff val="40000"/>
+                  </a:schemeClr>
+                </a:solidFill>
+              </a:rPr>
+              <a:t>观念</a:t>
+            </a:r>
+            <a:endParaRPr lang="en-US" altLang="zh-CN" dirty="0" smtClean="0"/>
+          </a:p>
           <a:p>
             <a:r>
               <a:rPr lang="zh-CN" altLang="en-US" dirty="0" smtClean="0"/>
@@ -4543,7 +5310,11 @@
           <a:p>
             <a:r>
               <a:rPr lang="zh-CN" altLang="en-US" dirty="0" smtClean="0"/>
-              <a:t>游戏公司银行账号事件</a:t>
+              <a:t>游戏</a:t>
+            </a:r>
+            <a:r>
+              <a:rPr lang="zh-CN" altLang="en-US" dirty="0" smtClean="0"/>
+              <a:t>公司银行账号事件</a:t>
             </a:r>
             <a:endParaRPr lang="en-US" altLang="zh-CN" dirty="0" smtClean="0"/>
           </a:p>
@@ -4591,7 +5362,7 @@
       </p:grpSpPr>
       <p:sp>
         <p:nvSpPr>
-          <p:cNvPr id="4" name="标题 1"/>
+          <p:cNvPr id="6" name="标题 1"/>
           <p:cNvSpPr>
             <a:spLocks noGrp="1"/>
           </p:cNvSpPr>
@@ -4602,7 +5373,7 @@
         <p:spPr>
           <a:xfrm>
             <a:off x="457200" y="267494"/>
-            <a:ext cx="8229600" cy="1399032"/>
+            <a:ext cx="8507288" cy="1399032"/>
           </a:xfrm>
         </p:spPr>
         <p:txBody>
@@ -4618,19 +5389,23 @@
               <a:t>基于</a:t>
             </a:r>
             <a:r>
-              <a:rPr lang="en-US" altLang="zh-CN" dirty="0"/>
-              <a:t>BodhiEC</a:t>
+              <a:rPr lang="en-US" altLang="zh-CN" dirty="0" smtClean="0"/>
+              <a:t>BodhiB2B</a:t>
+            </a:r>
+            <a:r>
+              <a:rPr lang="zh-CN" altLang="en-US" dirty="0" smtClean="0"/>
+              <a:t>开发数字化</a:t>
             </a:r>
             <a:r>
               <a:rPr lang="zh-CN" altLang="en-US" dirty="0"/>
-              <a:t>做数字化转型</a:t>
-            </a:r>
-          </a:p>
-        </p:txBody>
-      </p:sp>
-      <p:sp>
-        <p:nvSpPr>
-          <p:cNvPr id="5" name="内容占位符 2"/>
+              <a:t>转型</a:t>
+            </a:r>
+          </a:p>
+        </p:txBody>
+      </p:sp>
+      <p:sp>
+        <p:nvSpPr>
+          <p:cNvPr id="7" name="内容占位符 2"/>
           <p:cNvSpPr>
             <a:spLocks noGrp="1"/>
           </p:cNvSpPr>
@@ -4641,12 +5416,31 @@
         <p:spPr>
           <a:xfrm>
             <a:off x="899592" y="1916832"/>
-            <a:ext cx="7704856" cy="2232248"/>
-          </a:xfrm>
-        </p:spPr>
-        <p:txBody>
-          <a:bodyPr/>
+            <a:ext cx="7704856" cy="2664296"/>
+          </a:xfrm>
+        </p:spPr>
+        <p:txBody>
+          <a:bodyPr>
+            <a:normAutofit lnSpcReduction="10000"/>
+          </a:bodyPr>
           <a:lstStyle/>
+          <a:p>
+            <a:pPr marL="64008" indent="0">
+              <a:buNone/>
+            </a:pPr>
+            <a:r>
+              <a:rPr lang="zh-CN" altLang="en-US" b="1" dirty="0" smtClean="0">
+                <a:solidFill>
+                  <a:schemeClr val="accent2">
+                    <a:lumMod val="60000"/>
+                    <a:lumOff val="40000"/>
+                  </a:schemeClr>
+                </a:solidFill>
+              </a:rPr>
+              <a:t>低成本、开快开发、创意立现</a:t>
+            </a:r>
+            <a:endParaRPr lang="en-US" altLang="zh-CN" dirty="0" smtClean="0"/>
+          </a:p>
           <a:p>
             <a:r>
               <a:rPr lang="en-US" altLang="zh-CN" dirty="0" smtClean="0"/>
@@ -4703,7 +5497,18 @@
           <a:p>
             <a:r>
               <a:rPr lang="zh-CN" altLang="en-US" dirty="0" smtClean="0"/>
-              <a:t>降本增效、开拓市场</a:t>
+              <a:t>降本增效、开拓</a:t>
+            </a:r>
+            <a:r>
+              <a:rPr lang="zh-CN" altLang="en-US" dirty="0" smtClean="0"/>
+              <a:t>市场</a:t>
+            </a:r>
+            <a:endParaRPr lang="en-US" altLang="zh-CN" dirty="0" smtClean="0"/>
+          </a:p>
+          <a:p>
+            <a:r>
+              <a:rPr lang="zh-CN" altLang="en-US" dirty="0" smtClean="0"/>
+              <a:t>用户数据、经营痕迹、管理痛点</a:t>
             </a:r>
             <a:endParaRPr lang="zh-CN" altLang="en-US" dirty="0"/>
           </a:p>
@@ -4725,7 +5530,7 @@
 <file path=ppt/theme/theme1.xml><?xml version="1.0" encoding="utf-8"?>
 <a:theme xmlns:a="http://schemas.openxmlformats.org/drawingml/2006/main" name="活力">
   <a:themeElements>
-    <a:clrScheme name="活力">
+    <a:clrScheme name="技巧">
       <a:dk1>
         <a:sysClr val="windowText" lastClr="000000"/>
       </a:dk1>
@@ -4733,34 +5538,34 @@
         <a:sysClr val="window" lastClr="FFFFFF"/>
       </a:lt1>
       <a:dk2>
-        <a:srgbClr val="666666"/>
+        <a:srgbClr val="3B3B3B"/>
       </a:dk2>
       <a:lt2>
-        <a:srgbClr val="D2D2D2"/>
+        <a:srgbClr val="D4D2D0"/>
       </a:lt2>
       <a:accent1>
-        <a:srgbClr val="FF388C"/>
+        <a:srgbClr val="6EA0B0"/>
       </a:accent1>
       <a:accent2>
-        <a:srgbClr val="E40059"/>
+        <a:srgbClr val="CCAF0A"/>
       </a:accent2>
       <a:accent3>
-        <a:srgbClr val="9C007F"/>
+        <a:srgbClr val="8D89A4"/>
       </a:accent3>
       <a:accent4>
-        <a:srgbClr val="68007F"/>
+        <a:srgbClr val="748560"/>
       </a:accent4>
       <a:accent5>
-        <a:srgbClr val="005BD3"/>
+        <a:srgbClr val="9E9273"/>
       </a:accent5>
       <a:accent6>
-        <a:srgbClr val="00349E"/>
+        <a:srgbClr val="7E848D"/>
       </a:accent6>
       <a:hlink>
-        <a:srgbClr val="17BBFD"/>
+        <a:srgbClr val="00C8C3"/>
       </a:hlink>
       <a:folHlink>
-        <a:srgbClr val="FF79C2"/>
+        <a:srgbClr val="A116E0"/>
       </a:folHlink>
     </a:clrScheme>
     <a:fontScheme name="活力">
@@ -5004,4 +5809,289 @@
   <a:objectDefaults/>
   <a:extraClrSchemeLst/>
 </a:theme>
+</file>
+
+<file path=ppt/theme/theme2.xml><?xml version="1.0" encoding="utf-8"?>
+<a:theme xmlns:a="http://schemas.openxmlformats.org/drawingml/2006/main" name="Office 主题​​">
+  <a:themeElements>
+    <a:clrScheme name="Office">
+      <a:dk1>
+        <a:sysClr val="windowText" lastClr="000000"/>
+      </a:dk1>
+      <a:lt1>
+        <a:sysClr val="window" lastClr="FFFFFF"/>
+      </a:lt1>
+      <a:dk2>
+        <a:srgbClr val="1F497D"/>
+      </a:dk2>
+      <a:lt2>
+        <a:srgbClr val="EEECE1"/>
+      </a:lt2>
+      <a:accent1>
+        <a:srgbClr val="4F81BD"/>
+      </a:accent1>
+      <a:accent2>
+        <a:srgbClr val="C0504D"/>
+      </a:accent2>
+      <a:accent3>
+        <a:srgbClr val="9BBB59"/>
+      </a:accent3>
+      <a:accent4>
+        <a:srgbClr val="8064A2"/>
+      </a:accent4>
+      <a:accent5>
+        <a:srgbClr val="4BACC6"/>
+      </a:accent5>
+      <a:accent6>
+        <a:srgbClr val="F79646"/>
+      </a:accent6>
+      <a:hlink>
+        <a:srgbClr val="0000FF"/>
+      </a:hlink>
+      <a:folHlink>
+        <a:srgbClr val="800080"/>
+      </a:folHlink>
+    </a:clrScheme>
+    <a:fontScheme name="Office">
+      <a:majorFont>
+        <a:latin typeface="Calibri"/>
+        <a:ea typeface=""/>
+        <a:cs typeface=""/>
+        <a:font script="Jpan" typeface="ＭＳ Ｐゴシック"/>
+        <a:font script="Hang" typeface="맑은 고딕"/>
+        <a:font script="Hans" typeface="宋体"/>
+        <a:font script="Hant" typeface="新細明體"/>
+        <a:font script="Arab" typeface="Times New Roman"/>
+        <a:font script="Hebr" typeface="Times New Roman"/>
+        <a:font script="Thai" typeface="Angsana New"/>
+        <a:font script="Ethi" typeface="Nyala"/>
+        <a:font script="Beng" typeface="Vrinda"/>
+        <a:font script="Gujr" typeface="Shruti"/>
+        <a:font script="Khmr" typeface="MoolBoran"/>
+        <a:font script="Knda" typeface="Tunga"/>
+        <a:font script="Guru" typeface="Raavi"/>
+        <a:font script="Cans" typeface="Euphemia"/>
+        <a:font script="Cher" typeface="Plantagenet Cherokee"/>
+        <a:font script="Yiii" typeface="Microsoft Yi Baiti"/>
+        <a:font script="Tibt" typeface="Microsoft Himalaya"/>
+        <a:font script="Thaa" typeface="MV Boli"/>
+        <a:font script="Deva" typeface="Mangal"/>
+        <a:font script="Telu" typeface="Gautami"/>
+        <a:font script="Taml" typeface="Latha"/>
+        <a:font script="Syrc" typeface="Estrangelo Edessa"/>
+        <a:font script="Orya" typeface="Kalinga"/>
+        <a:font script="Mlym" typeface="Kartika"/>
+        <a:font script="Laoo" typeface="DokChampa"/>
+        <a:font script="Sinh" typeface="Iskoola Pota"/>
+        <a:font script="Mong" typeface="Mongolian Baiti"/>
+        <a:font script="Viet" typeface="Times New Roman"/>
+        <a:font script="Uigh" typeface="Microsoft Uighur"/>
+        <a:font script="Geor" typeface="Sylfaen"/>
+      </a:majorFont>
+      <a:minorFont>
+        <a:latin typeface="Calibri"/>
+        <a:ea typeface=""/>
+        <a:cs typeface=""/>
+        <a:font script="Jpan" typeface="ＭＳ Ｐゴシック"/>
+        <a:font script="Hang" typeface="맑은 고딕"/>
+        <a:font script="Hans" typeface="宋体"/>
+        <a:font script="Hant" typeface="新細明體"/>
+        <a:font script="Arab" typeface="Arial"/>
+        <a:font script="Hebr" typeface="Arial"/>
+        <a:font script="Thai" typeface="Cordia New"/>
+        <a:font script="Ethi" typeface="Nyala"/>
+        <a:font script="Beng" typeface="Vrinda"/>
+        <a:font script="Gujr" typeface="Shruti"/>
+        <a:font script="Khmr" typeface="DaunPenh"/>
+        <a:font script="Knda" typeface="Tunga"/>
+        <a:font script="Guru" typeface="Raavi"/>
+        <a:font script="Cans" typeface="Euphemia"/>
+        <a:font script="Cher" typeface="Plantagenet Cherokee"/>
+        <a:font script="Yiii" typeface="Microsoft Yi Baiti"/>
+        <a:font script="Tibt" typeface="Microsoft Himalaya"/>
+        <a:font script="Thaa" typeface="MV Boli"/>
+        <a:font script="Deva" typeface="Mangal"/>
+        <a:font script="Telu" typeface="Gautami"/>
+        <a:font script="Taml" typeface="Latha"/>
+        <a:font script="Syrc" typeface="Estrangelo Edessa"/>
+        <a:font script="Orya" typeface="Kalinga"/>
+        <a:font script="Mlym" typeface="Kartika"/>
+        <a:font script="Laoo" typeface="DokChampa"/>
+        <a:font script="Sinh" typeface="Iskoola Pota"/>
+        <a:font script="Mong" typeface="Mongolian Baiti"/>
+        <a:font script="Viet" typeface="Arial"/>
+        <a:font script="Uigh" typeface="Microsoft Uighur"/>
+        <a:font script="Geor" typeface="Sylfaen"/>
+      </a:minorFont>
+    </a:fontScheme>
+    <a:fmtScheme name="Office">
+      <a:fillStyleLst>
+        <a:solidFill>
+          <a:schemeClr val="phClr"/>
+        </a:solidFill>
+        <a:gradFill rotWithShape="1">
+          <a:gsLst>
+            <a:gs pos="0">
+              <a:schemeClr val="phClr">
+                <a:tint val="50000"/>
+                <a:satMod val="300000"/>
+              </a:schemeClr>
+            </a:gs>
+            <a:gs pos="35000">
+              <a:schemeClr val="phClr">
+                <a:tint val="37000"/>
+                <a:satMod val="300000"/>
+              </a:schemeClr>
+            </a:gs>
+            <a:gs pos="100000">
+              <a:schemeClr val="phClr">
+                <a:tint val="15000"/>
+                <a:satMod val="350000"/>
+              </a:schemeClr>
+            </a:gs>
+          </a:gsLst>
+          <a:lin ang="16200000" scaled="1"/>
+        </a:gradFill>
+        <a:gradFill rotWithShape="1">
+          <a:gsLst>
+            <a:gs pos="0">
+              <a:schemeClr val="phClr">
+                <a:shade val="51000"/>
+                <a:satMod val="130000"/>
+              </a:schemeClr>
+            </a:gs>
+            <a:gs pos="80000">
+              <a:schemeClr val="phClr">
+                <a:shade val="93000"/>
+                <a:satMod val="130000"/>
+              </a:schemeClr>
+            </a:gs>
+            <a:gs pos="100000">
+              <a:schemeClr val="phClr">
+                <a:shade val="94000"/>
+                <a:satMod val="135000"/>
+              </a:schemeClr>
+            </a:gs>
+          </a:gsLst>
+          <a:lin ang="16200000" scaled="0"/>
+        </a:gradFill>
+      </a:fillStyleLst>
+      <a:lnStyleLst>
+        <a:ln w="9525" cap="flat" cmpd="sng" algn="ctr">
+          <a:solidFill>
+            <a:schemeClr val="phClr">
+              <a:shade val="95000"/>
+              <a:satMod val="105000"/>
+            </a:schemeClr>
+          </a:solidFill>
+          <a:prstDash val="solid"/>
+        </a:ln>
+        <a:ln w="25400" cap="flat" cmpd="sng" algn="ctr">
+          <a:solidFill>
+            <a:schemeClr val="phClr"/>
+          </a:solidFill>
+          <a:prstDash val="solid"/>
+        </a:ln>
+        <a:ln w="38100" cap="flat" cmpd="sng" algn="ctr">
+          <a:solidFill>
+            <a:schemeClr val="phClr"/>
+          </a:solidFill>
+          <a:prstDash val="solid"/>
+        </a:ln>
+      </a:lnStyleLst>
+      <a:effectStyleLst>
+        <a:effectStyle>
+          <a:effectLst>
+            <a:outerShdw blurRad="40000" dist="20000" dir="5400000" rotWithShape="0">
+              <a:srgbClr val="000000">
+                <a:alpha val="38000"/>
+              </a:srgbClr>
+            </a:outerShdw>
+          </a:effectLst>
+        </a:effectStyle>
+        <a:effectStyle>
+          <a:effectLst>
+            <a:outerShdw blurRad="40000" dist="23000" dir="5400000" rotWithShape="0">
+              <a:srgbClr val="000000">
+                <a:alpha val="35000"/>
+              </a:srgbClr>
+            </a:outerShdw>
+          </a:effectLst>
+        </a:effectStyle>
+        <a:effectStyle>
+          <a:effectLst>
+            <a:outerShdw blurRad="40000" dist="23000" dir="5400000" rotWithShape="0">
+              <a:srgbClr val="000000">
+                <a:alpha val="35000"/>
+              </a:srgbClr>
+            </a:outerShdw>
+          </a:effectLst>
+          <a:scene3d>
+            <a:camera prst="orthographicFront">
+              <a:rot lat="0" lon="0" rev="0"/>
+            </a:camera>
+            <a:lightRig rig="threePt" dir="t">
+              <a:rot lat="0" lon="0" rev="1200000"/>
+            </a:lightRig>
+          </a:scene3d>
+          <a:sp3d>
+            <a:bevelT w="63500" h="25400"/>
+          </a:sp3d>
+        </a:effectStyle>
+      </a:effectStyleLst>
+      <a:bgFillStyleLst>
+        <a:solidFill>
+          <a:schemeClr val="phClr"/>
+        </a:solidFill>
+        <a:gradFill rotWithShape="1">
+          <a:gsLst>
+            <a:gs pos="0">
+              <a:schemeClr val="phClr">
+                <a:tint val="40000"/>
+                <a:satMod val="350000"/>
+              </a:schemeClr>
+            </a:gs>
+            <a:gs pos="40000">
+              <a:schemeClr val="phClr">
+                <a:tint val="45000"/>
+                <a:shade val="99000"/>
+                <a:satMod val="350000"/>
+              </a:schemeClr>
+            </a:gs>
+            <a:gs pos="100000">
+              <a:schemeClr val="phClr">
+                <a:shade val="20000"/>
+                <a:satMod val="255000"/>
+              </a:schemeClr>
+            </a:gs>
+          </a:gsLst>
+          <a:path path="circle">
+            <a:fillToRect l="50000" t="-80000" r="50000" b="180000"/>
+          </a:path>
+        </a:gradFill>
+        <a:gradFill rotWithShape="1">
+          <a:gsLst>
+            <a:gs pos="0">
+              <a:schemeClr val="phClr">
+                <a:tint val="80000"/>
+                <a:satMod val="300000"/>
+              </a:schemeClr>
+            </a:gs>
+            <a:gs pos="100000">
+              <a:schemeClr val="phClr">
+                <a:shade val="30000"/>
+                <a:satMod val="200000"/>
+              </a:schemeClr>
+            </a:gs>
+          </a:gsLst>
+          <a:path path="circle">
+            <a:fillToRect l="50000" t="50000" r="50000" b="50000"/>
+          </a:path>
+        </a:gradFill>
+      </a:bgFillStyleLst>
+    </a:fmtScheme>
+  </a:themeElements>
+  <a:objectDefaults/>
+  <a:extraClrSchemeLst/>
+</a:theme>
 </file>
--- a/test/开发教程.pptx
+++ b/test/开发教程.pptx
@@ -4022,14 +4022,7 @@
                 <a:latin typeface="微软雅黑" pitchFamily="34" charset="-122"/>
                 <a:ea typeface="微软雅黑" pitchFamily="34" charset="-122"/>
               </a:rPr>
-              <a:t>开发</a:t>
-            </a:r>
-            <a:r>
-              <a:rPr lang="zh-CN" altLang="en-US" b="1" dirty="0" smtClean="0">
-                <a:latin typeface="微软雅黑" pitchFamily="34" charset="-122"/>
-                <a:ea typeface="微软雅黑" pitchFamily="34" charset="-122"/>
-              </a:rPr>
-              <a:t>教程</a:t>
+              <a:t>开发教程</a:t>
             </a:r>
             <a:endParaRPr lang="zh-CN" altLang="en-US" b="1" dirty="0">
               <a:latin typeface="微软雅黑" pitchFamily="34" charset="-122"/>
@@ -4351,7 +4344,6 @@
               <a:rPr lang="zh-CN" altLang="en-US" dirty="0"/>
               <a:t>教程</a:t>
             </a:r>
-            <a:endParaRPr lang="zh-CN" altLang="en-US" dirty="0"/>
           </a:p>
         </p:txBody>
       </p:sp>
@@ -4407,11 +4399,7 @@
             </a:r>
             <a:r>
               <a:rPr lang="en-US" altLang="zh-CN" dirty="0" smtClean="0"/>
-              <a:t>Linux/Mysql/SSH/WEB/GIT</a:t>
-            </a:r>
-            <a:r>
-              <a:rPr lang="en-US" altLang="zh-CN" dirty="0" smtClean="0"/>
-              <a:t>……</a:t>
+              <a:t>Linux/Mysql/SSH/WEB/GIT……</a:t>
             </a:r>
             <a:r>
               <a:rPr lang="zh-CN" altLang="en-US" dirty="0" smtClean="0"/>
@@ -4565,11 +4553,7 @@
           <a:p>
             <a:r>
               <a:rPr lang="zh-CN" altLang="en-US" dirty="0" smtClean="0"/>
-              <a:t>全球</a:t>
-            </a:r>
-            <a:r>
-              <a:rPr lang="zh-CN" altLang="en-US" dirty="0" smtClean="0"/>
-              <a:t>大环境的问题</a:t>
+              <a:t>全球大环境的问题</a:t>
             </a:r>
             <a:endParaRPr lang="en-US" altLang="zh-CN" dirty="0" smtClean="0"/>
           </a:p>
@@ -4827,7 +4811,7 @@
         <p:spPr>
           <a:xfrm>
             <a:off x="899592" y="1700808"/>
-            <a:ext cx="3744416" cy="4680520"/>
+            <a:ext cx="3240360" cy="4680520"/>
           </a:xfrm>
         </p:spPr>
         <p:txBody>
@@ -4935,8 +4919,8 @@
         </p:nvSpPr>
         <p:spPr>
           <a:xfrm>
-            <a:off x="4355976" y="1700808"/>
-            <a:ext cx="4464496" cy="4680520"/>
+            <a:off x="4355976" y="1628800"/>
+            <a:ext cx="4176464" cy="4680520"/>
           </a:xfrm>
           <a:prstGeom prst="rect">
             <a:avLst/>
@@ -5159,11 +5143,12 @@
           <a:p>
             <a:r>
               <a:rPr lang="zh-CN" altLang="en-US" dirty="0" smtClean="0"/>
-              <a:t>人工智能开发工程师</a:t>
-            </a:r>
-            <a:endParaRPr lang="en-US" altLang="zh-CN" smtClean="0"/>
-          </a:p>
-          <a:p>
+              <a:t>人工智能开发</a:t>
+            </a:r>
+            <a:r>
+              <a:rPr lang="zh-CN" altLang="en-US" dirty="0" smtClean="0"/>
+              <a:t>工程师</a:t>
+            </a:r>
             <a:endParaRPr lang="en-US" altLang="zh-CN" dirty="0" smtClean="0"/>
           </a:p>
         </p:txBody>
@@ -5310,11 +5295,7 @@
           <a:p>
             <a:r>
               <a:rPr lang="zh-CN" altLang="en-US" dirty="0" smtClean="0"/>
-              <a:t>游戏</a:t>
-            </a:r>
-            <a:r>
-              <a:rPr lang="zh-CN" altLang="en-US" dirty="0" smtClean="0"/>
-              <a:t>公司银行账号事件</a:t>
+              <a:t>游戏公司银行账号事件</a:t>
             </a:r>
             <a:endParaRPr lang="en-US" altLang="zh-CN" dirty="0" smtClean="0"/>
           </a:p>
@@ -5497,11 +5478,7 @@
           <a:p>
             <a:r>
               <a:rPr lang="zh-CN" altLang="en-US" dirty="0" smtClean="0"/>
-              <a:t>降本增效、开拓</a:t>
-            </a:r>
-            <a:r>
-              <a:rPr lang="zh-CN" altLang="en-US" dirty="0" smtClean="0"/>
-              <a:t>市场</a:t>
+              <a:t>降本增效、开拓市场</a:t>
             </a:r>
             <a:endParaRPr lang="en-US" altLang="zh-CN" dirty="0" smtClean="0"/>
           </a:p>

--- a/test/开发教程.pptx
+++ b/test/开发教程.pptx
@@ -199,7 +199,7 @@
           <a:p>
             <a:fld id="{ADB2B423-0D36-4351-9EEF-C32D003B49AC}" type="datetimeFigureOut">
               <a:rPr lang="zh-CN" altLang="en-US" smtClean="0"/>
-              <a:t>2024/4/16</a:t>
+              <a:t>2024/4/18</a:t>
             </a:fld>
             <a:endParaRPr lang="zh-CN" altLang="en-US"/>
           </a:p>
@@ -770,7 +770,7 @@
           <a:p>
             <a:fld id="{530820CF-B880-4189-942D-D702A7CBA730}" type="datetimeFigureOut">
               <a:rPr lang="zh-CN" altLang="en-US" smtClean="0"/>
-              <a:t>2024/4/16</a:t>
+              <a:t>2024/4/18</a:t>
             </a:fld>
             <a:endParaRPr lang="zh-CN" altLang="en-US"/>
           </a:p>
@@ -957,7 +957,7 @@
           <a:p>
             <a:fld id="{530820CF-B880-4189-942D-D702A7CBA730}" type="datetimeFigureOut">
               <a:rPr lang="zh-CN" altLang="en-US" smtClean="0"/>
-              <a:t>2024/4/16</a:t>
+              <a:t>2024/4/18</a:t>
             </a:fld>
             <a:endParaRPr lang="zh-CN" altLang="en-US"/>
           </a:p>
@@ -1132,7 +1132,7 @@
           <a:p>
             <a:fld id="{530820CF-B880-4189-942D-D702A7CBA730}" type="datetimeFigureOut">
               <a:rPr lang="zh-CN" altLang="en-US" smtClean="0"/>
-              <a:t>2024/4/16</a:t>
+              <a:t>2024/4/18</a:t>
             </a:fld>
             <a:endParaRPr lang="zh-CN" altLang="en-US"/>
           </a:p>
@@ -1312,7 +1312,7 @@
           <a:p>
             <a:fld id="{530820CF-B880-4189-942D-D702A7CBA730}" type="datetimeFigureOut">
               <a:rPr lang="zh-CN" altLang="en-US" smtClean="0"/>
-              <a:t>2024/4/16</a:t>
+              <a:t>2024/4/18</a:t>
             </a:fld>
             <a:endParaRPr lang="zh-CN" altLang="en-US"/>
           </a:p>
@@ -1559,7 +1559,7 @@
           <a:p>
             <a:fld id="{530820CF-B880-4189-942D-D702A7CBA730}" type="datetimeFigureOut">
               <a:rPr lang="zh-CN" altLang="en-US" smtClean="0"/>
-              <a:t>2024/4/16</a:t>
+              <a:t>2024/4/18</a:t>
             </a:fld>
             <a:endParaRPr lang="zh-CN" altLang="en-US"/>
           </a:p>
@@ -2033,7 +2033,7 @@
           <a:p>
             <a:fld id="{530820CF-B880-4189-942D-D702A7CBA730}" type="datetimeFigureOut">
               <a:rPr lang="zh-CN" altLang="en-US" smtClean="0"/>
-              <a:t>2024/4/16</a:t>
+              <a:t>2024/4/18</a:t>
             </a:fld>
             <a:endParaRPr lang="zh-CN" altLang="en-US"/>
           </a:p>
@@ -2448,7 +2448,7 @@
           <a:p>
             <a:fld id="{530820CF-B880-4189-942D-D702A7CBA730}" type="datetimeFigureOut">
               <a:rPr lang="zh-CN" altLang="en-US" smtClean="0"/>
-              <a:t>2024/4/16</a:t>
+              <a:t>2024/4/18</a:t>
             </a:fld>
             <a:endParaRPr lang="zh-CN" altLang="en-US"/>
           </a:p>
@@ -2579,7 +2579,7 @@
           <a:p>
             <a:fld id="{530820CF-B880-4189-942D-D702A7CBA730}" type="datetimeFigureOut">
               <a:rPr lang="zh-CN" altLang="en-US" smtClean="0"/>
-              <a:t>2024/4/16</a:t>
+              <a:t>2024/4/18</a:t>
             </a:fld>
             <a:endParaRPr lang="zh-CN" altLang="en-US"/>
           </a:p>
@@ -2674,7 +2674,7 @@
           <a:p>
             <a:fld id="{530820CF-B880-4189-942D-D702A7CBA730}" type="datetimeFigureOut">
               <a:rPr lang="zh-CN" altLang="en-US" smtClean="0"/>
-              <a:t>2024/4/16</a:t>
+              <a:t>2024/4/18</a:t>
             </a:fld>
             <a:endParaRPr lang="zh-CN" altLang="en-US"/>
           </a:p>
@@ -2952,7 +2952,7 @@
           <a:p>
             <a:fld id="{530820CF-B880-4189-942D-D702A7CBA730}" type="datetimeFigureOut">
               <a:rPr lang="zh-CN" altLang="en-US" smtClean="0"/>
-              <a:t>2024/4/16</a:t>
+              <a:t>2024/4/18</a:t>
             </a:fld>
             <a:endParaRPr lang="zh-CN" altLang="en-US"/>
           </a:p>
@@ -3204,7 +3204,7 @@
           <a:p>
             <a:fld id="{530820CF-B880-4189-942D-D702A7CBA730}" type="datetimeFigureOut">
               <a:rPr lang="zh-CN" altLang="en-US" smtClean="0"/>
-              <a:t>2024/4/16</a:t>
+              <a:t>2024/4/18</a:t>
             </a:fld>
             <a:endParaRPr lang="zh-CN" altLang="en-US"/>
           </a:p>
@@ -3576,7 +3576,7 @@
           <a:p>
             <a:fld id="{530820CF-B880-4189-942D-D702A7CBA730}" type="datetimeFigureOut">
               <a:rPr lang="zh-CN" altLang="en-US" smtClean="0"/>
-              <a:t>2024/4/16</a:t>
+              <a:t>2024/4/18</a:t>
             </a:fld>
             <a:endParaRPr lang="zh-CN" altLang="en-US"/>
           </a:p>
@@ -4846,7 +4846,40 @@
           <a:p>
             <a:r>
               <a:rPr lang="zh-CN" altLang="en-US" dirty="0" smtClean="0"/>
-              <a:t>前端工程师</a:t>
+              <a:t>前端</a:t>
+            </a:r>
+            <a:r>
+              <a:rPr lang="zh-CN" altLang="en-US" dirty="0" smtClean="0"/>
+              <a:t>工程师</a:t>
+            </a:r>
+            <a:endParaRPr lang="en-US" altLang="zh-CN" dirty="0" smtClean="0"/>
+          </a:p>
+          <a:p>
+            <a:r>
+              <a:rPr lang="zh-CN" altLang="en-US" dirty="0"/>
+              <a:t>安卓工程师</a:t>
+            </a:r>
+            <a:endParaRPr lang="en-US" altLang="zh-CN" dirty="0"/>
+          </a:p>
+          <a:p>
+            <a:r>
+              <a:rPr lang="en-US" altLang="zh-CN" dirty="0"/>
+              <a:t>IOS</a:t>
+            </a:r>
+            <a:r>
+              <a:rPr lang="zh-CN" altLang="en-US" dirty="0"/>
+              <a:t>工程师</a:t>
+            </a:r>
+            <a:endParaRPr lang="en-US" altLang="zh-CN" dirty="0"/>
+          </a:p>
+          <a:p>
+            <a:r>
+              <a:rPr lang="zh-CN" altLang="en-US" dirty="0"/>
+              <a:t>游戏</a:t>
+            </a:r>
+            <a:r>
+              <a:rPr lang="zh-CN" altLang="en-US" dirty="0" smtClean="0"/>
+              <a:t>工程师</a:t>
             </a:r>
             <a:endParaRPr lang="en-US" altLang="zh-CN" dirty="0" smtClean="0"/>
           </a:p>
@@ -4881,31 +4914,6 @@
               <a:t>设计</a:t>
             </a:r>
             <a:endParaRPr lang="en-US" altLang="zh-CN" dirty="0" smtClean="0"/>
-          </a:p>
-          <a:p>
-            <a:r>
-              <a:rPr lang="zh-CN" altLang="en-US" dirty="0" smtClean="0"/>
-              <a:t>安卓工程师</a:t>
-            </a:r>
-            <a:endParaRPr lang="en-US" altLang="zh-CN" dirty="0" smtClean="0"/>
-          </a:p>
-          <a:p>
-            <a:r>
-              <a:rPr lang="en-US" altLang="zh-CN" dirty="0" smtClean="0"/>
-              <a:t>IOS</a:t>
-            </a:r>
-            <a:r>
-              <a:rPr lang="zh-CN" altLang="en-US" dirty="0" smtClean="0"/>
-              <a:t>工程师</a:t>
-            </a:r>
-            <a:endParaRPr lang="en-US" altLang="zh-CN" dirty="0" smtClean="0"/>
-          </a:p>
-          <a:p>
-            <a:r>
-              <a:rPr lang="zh-CN" altLang="en-US" dirty="0" smtClean="0"/>
-              <a:t>游戏工程师</a:t>
-            </a:r>
-            <a:endParaRPr lang="en-US" altLang="zh-CN" dirty="0"/>
           </a:p>
         </p:txBody>
       </p:sp>
@@ -5143,12 +5151,18 @@
           <a:p>
             <a:r>
               <a:rPr lang="zh-CN" altLang="en-US" dirty="0" smtClean="0"/>
-              <a:t>人工智能开发</a:t>
-            </a:r>
+              <a:t>人工智能工程师</a:t>
+            </a:r>
+            <a:endParaRPr lang="en-US" altLang="zh-CN" dirty="0" smtClean="0"/>
+          </a:p>
+          <a:p>
             <a:r>
               <a:rPr lang="zh-CN" altLang="en-US" dirty="0" smtClean="0"/>
-              <a:t>工程师</a:t>
-            </a:r>
+              <a:t>物联网工程师</a:t>
+            </a:r>
+            <a:endParaRPr lang="en-US" altLang="zh-CN" dirty="0" smtClean="0"/>
+          </a:p>
+          <a:p>
             <a:endParaRPr lang="en-US" altLang="zh-CN" dirty="0" smtClean="0"/>
           </a:p>
         </p:txBody>

--- a/test/开发教程.pptx
+++ b/test/开发教程.pptx
@@ -199,7 +199,7 @@
           <a:p>
             <a:fld id="{ADB2B423-0D36-4351-9EEF-C32D003B49AC}" type="datetimeFigureOut">
               <a:rPr lang="zh-CN" altLang="en-US" smtClean="0"/>
-              <a:t>2024/4/18</a:t>
+              <a:t>2024/5/8</a:t>
             </a:fld>
             <a:endParaRPr lang="zh-CN" altLang="en-US"/>
           </a:p>
@@ -770,7 +770,7 @@
           <a:p>
             <a:fld id="{530820CF-B880-4189-942D-D702A7CBA730}" type="datetimeFigureOut">
               <a:rPr lang="zh-CN" altLang="en-US" smtClean="0"/>
-              <a:t>2024/4/18</a:t>
+              <a:t>2024/5/8</a:t>
             </a:fld>
             <a:endParaRPr lang="zh-CN" altLang="en-US"/>
           </a:p>
@@ -957,7 +957,7 @@
           <a:p>
             <a:fld id="{530820CF-B880-4189-942D-D702A7CBA730}" type="datetimeFigureOut">
               <a:rPr lang="zh-CN" altLang="en-US" smtClean="0"/>
-              <a:t>2024/4/18</a:t>
+              <a:t>2024/5/8</a:t>
             </a:fld>
             <a:endParaRPr lang="zh-CN" altLang="en-US"/>
           </a:p>
@@ -1132,7 +1132,7 @@
           <a:p>
             <a:fld id="{530820CF-B880-4189-942D-D702A7CBA730}" type="datetimeFigureOut">
               <a:rPr lang="zh-CN" altLang="en-US" smtClean="0"/>
-              <a:t>2024/4/18</a:t>
+              <a:t>2024/5/8</a:t>
             </a:fld>
             <a:endParaRPr lang="zh-CN" altLang="en-US"/>
           </a:p>
@@ -1312,7 +1312,7 @@
           <a:p>
             <a:fld id="{530820CF-B880-4189-942D-D702A7CBA730}" type="datetimeFigureOut">
               <a:rPr lang="zh-CN" altLang="en-US" smtClean="0"/>
-              <a:t>2024/4/18</a:t>
+              <a:t>2024/5/8</a:t>
             </a:fld>
             <a:endParaRPr lang="zh-CN" altLang="en-US"/>
           </a:p>
@@ -1559,7 +1559,7 @@
           <a:p>
             <a:fld id="{530820CF-B880-4189-942D-D702A7CBA730}" type="datetimeFigureOut">
               <a:rPr lang="zh-CN" altLang="en-US" smtClean="0"/>
-              <a:t>2024/4/18</a:t>
+              <a:t>2024/5/8</a:t>
             </a:fld>
             <a:endParaRPr lang="zh-CN" altLang="en-US"/>
           </a:p>
@@ -2033,7 +2033,7 @@
           <a:p>
             <a:fld id="{530820CF-B880-4189-942D-D702A7CBA730}" type="datetimeFigureOut">
               <a:rPr lang="zh-CN" altLang="en-US" smtClean="0"/>
-              <a:t>2024/4/18</a:t>
+              <a:t>2024/5/8</a:t>
             </a:fld>
             <a:endParaRPr lang="zh-CN" altLang="en-US"/>
           </a:p>
@@ -2448,7 +2448,7 @@
           <a:p>
             <a:fld id="{530820CF-B880-4189-942D-D702A7CBA730}" type="datetimeFigureOut">
               <a:rPr lang="zh-CN" altLang="en-US" smtClean="0"/>
-              <a:t>2024/4/18</a:t>
+              <a:t>2024/5/8</a:t>
             </a:fld>
             <a:endParaRPr lang="zh-CN" altLang="en-US"/>
           </a:p>
@@ -2579,7 +2579,7 @@
           <a:p>
             <a:fld id="{530820CF-B880-4189-942D-D702A7CBA730}" type="datetimeFigureOut">
               <a:rPr lang="zh-CN" altLang="en-US" smtClean="0"/>
-              <a:t>2024/4/18</a:t>
+              <a:t>2024/5/8</a:t>
             </a:fld>
             <a:endParaRPr lang="zh-CN" altLang="en-US"/>
           </a:p>
@@ -2674,7 +2674,7 @@
           <a:p>
             <a:fld id="{530820CF-B880-4189-942D-D702A7CBA730}" type="datetimeFigureOut">
               <a:rPr lang="zh-CN" altLang="en-US" smtClean="0"/>
-              <a:t>2024/4/18</a:t>
+              <a:t>2024/5/8</a:t>
             </a:fld>
             <a:endParaRPr lang="zh-CN" altLang="en-US"/>
           </a:p>
@@ -2952,7 +2952,7 @@
           <a:p>
             <a:fld id="{530820CF-B880-4189-942D-D702A7CBA730}" type="datetimeFigureOut">
               <a:rPr lang="zh-CN" altLang="en-US" smtClean="0"/>
-              <a:t>2024/4/18</a:t>
+              <a:t>2024/5/8</a:t>
             </a:fld>
             <a:endParaRPr lang="zh-CN" altLang="en-US"/>
           </a:p>
@@ -3204,7 +3204,7 @@
           <a:p>
             <a:fld id="{530820CF-B880-4189-942D-D702A7CBA730}" type="datetimeFigureOut">
               <a:rPr lang="zh-CN" altLang="en-US" smtClean="0"/>
-              <a:t>2024/4/18</a:t>
+              <a:t>2024/5/8</a:t>
             </a:fld>
             <a:endParaRPr lang="zh-CN" altLang="en-US"/>
           </a:p>
@@ -3576,7 +3576,7 @@
           <a:p>
             <a:fld id="{530820CF-B880-4189-942D-D702A7CBA730}" type="datetimeFigureOut">
               <a:rPr lang="zh-CN" altLang="en-US" smtClean="0"/>
-              <a:t>2024/4/18</a:t>
+              <a:t>2024/5/8</a:t>
             </a:fld>
             <a:endParaRPr lang="zh-CN" altLang="en-US"/>
           </a:p>
@@ -4846,11 +4846,7 @@
           <a:p>
             <a:r>
               <a:rPr lang="zh-CN" altLang="en-US" dirty="0" smtClean="0"/>
-              <a:t>前端</a:t>
-            </a:r>
-            <a:r>
-              <a:rPr lang="zh-CN" altLang="en-US" dirty="0" smtClean="0"/>
-              <a:t>工程师</a:t>
+              <a:t>前端工程师</a:t>
             </a:r>
             <a:endParaRPr lang="en-US" altLang="zh-CN" dirty="0" smtClean="0"/>
           </a:p>
@@ -5446,11 +5442,11 @@
               <a:t>、</a:t>
             </a:r>
             <a:r>
-              <a:rPr lang="en-US" altLang="zh-CN" dirty="0" smtClean="0"/>
-              <a:t>OA</a:t>
-            </a:r>
-            <a:r>
-              <a:rPr lang="zh-CN" altLang="en-US" dirty="0" smtClean="0"/>
+              <a:rPr lang="en-US" altLang="zh-CN" smtClean="0"/>
+              <a:t>OMS</a:t>
+            </a:r>
+            <a:r>
+              <a:rPr lang="zh-CN" altLang="en-US" smtClean="0"/>
               <a:t>、</a:t>
             </a:r>
             <a:r>

--- a/test/开发教程.pptx
+++ b/test/开发教程.pptx
@@ -17,7 +17,7 @@
     <p:sldId id="261" r:id="rId8"/>
     <p:sldId id="263" r:id="rId9"/>
   </p:sldIdLst>
-  <p:sldSz cx="9144000" cy="6858000" type="screen4x3"/>
+  <p:sldSz cx="12192000" cy="6858000"/>
   <p:notesSz cx="6858000" cy="9144000"/>
   <p:defaultTextStyle>
     <a:defPPr>
@@ -114,6 +114,22 @@
       </a:defRPr>
     </a:lvl9pPr>
   </p:defaultTextStyle>
+  <p:extLst>
+    <p:ext uri="{EFAFB233-063F-42B5-8137-9DF3F51BA10A}">
+      <p15:sldGuideLst xmlns:p15="http://schemas.microsoft.com/office/powerpoint/2012/main">
+        <p15:guide id="1" orient="horz" pos="2160" userDrawn="1">
+          <p15:clr>
+            <a:srgbClr val="A4A3A4"/>
+          </p15:clr>
+        </p15:guide>
+        <p15:guide id="2" pos="3840" userDrawn="1">
+          <p15:clr>
+            <a:srgbClr val="A4A3A4"/>
+          </p15:clr>
+        </p15:guide>
+      </p15:sldGuideLst>
+    </p:ext>
+  </p:extLst>
 </p:presentation>
 </file>
 
@@ -199,7 +215,7 @@
           <a:p>
             <a:fld id="{ADB2B423-0D36-4351-9EEF-C32D003B49AC}" type="datetimeFigureOut">
               <a:rPr lang="zh-CN" altLang="en-US" smtClean="0"/>
-              <a:t>2024/5/8</a:t>
+              <a:t>2024/5/26</a:t>
             </a:fld>
             <a:endParaRPr lang="zh-CN" altLang="en-US"/>
           </a:p>
@@ -217,8 +233,8 @@
         </p:nvSpPr>
         <p:spPr>
           <a:xfrm>
-            <a:off x="1143000" y="685800"/>
-            <a:ext cx="4572000" cy="3429000"/>
+            <a:off x="381000" y="685800"/>
+            <a:ext cx="6096000" cy="3429000"/>
           </a:xfrm>
           <a:prstGeom prst="rect">
             <a:avLst/>
@@ -494,7 +510,12 @@
             <p:ph type="sldImg"/>
           </p:nvPr>
         </p:nvSpPr>
-        <p:spPr/>
+        <p:spPr>
+          <a:xfrm>
+            <a:off x="381000" y="685800"/>
+            <a:ext cx="6096000" cy="3429000"/>
+          </a:xfrm>
+        </p:spPr>
       </p:sp>
       <p:sp>
         <p:nvSpPr>
@@ -576,8 +597,8 @@
         </p:nvSpPr>
         <p:spPr>
           <a:xfrm rot="16200000">
-            <a:off x="7554353" y="5254283"/>
-            <a:ext cx="1892949" cy="1294228"/>
+            <a:off x="10387963" y="5038579"/>
+            <a:ext cx="1892949" cy="1725637"/>
           </a:xfrm>
           <a:prstGeom prst="triangle">
             <a:avLst>
@@ -635,7 +656,7 @@
           <a:lstStyle/>
           <a:p>
             <a:pPr algn="ctr" eaLnBrk="1" latinLnBrk="0" hangingPunct="1"/>
-            <a:endParaRPr kumimoji="0" lang="en-US" dirty="0"/>
+            <a:endParaRPr kumimoji="0" lang="en-US" sz="1800" dirty="0"/>
           </a:p>
         </p:txBody>
       </p:sp>
@@ -651,8 +672,8 @@
         </p:nvSpPr>
         <p:spPr>
           <a:xfrm>
-            <a:off x="540544" y="776288"/>
-            <a:ext cx="8062912" cy="1470025"/>
+            <a:off x="720726" y="776289"/>
+            <a:ext cx="10750549" cy="1470025"/>
           </a:xfrm>
         </p:spPr>
         <p:txBody>
@@ -685,8 +706,8 @@
         </p:nvSpPr>
         <p:spPr>
           <a:xfrm>
-            <a:off x="540544" y="2250280"/>
-            <a:ext cx="8062912" cy="1752600"/>
+            <a:off x="720726" y="2250280"/>
+            <a:ext cx="10750549" cy="1752600"/>
           </a:xfrm>
         </p:spPr>
         <p:txBody>
@@ -756,8 +777,8 @@
         </p:nvSpPr>
         <p:spPr>
           <a:xfrm>
-            <a:off x="1371600" y="6012656"/>
-            <a:ext cx="5791200" cy="365125"/>
+            <a:off x="1828800" y="6012657"/>
+            <a:ext cx="7721600" cy="365125"/>
           </a:xfrm>
         </p:spPr>
         <p:txBody>
@@ -770,7 +791,7 @@
           <a:p>
             <a:fld id="{530820CF-B880-4189-942D-D702A7CBA730}" type="datetimeFigureOut">
               <a:rPr lang="zh-CN" altLang="en-US" smtClean="0"/>
-              <a:t>2024/5/8</a:t>
+              <a:t>2024/5/26</a:t>
             </a:fld>
             <a:endParaRPr lang="zh-CN" altLang="en-US"/>
           </a:p>
@@ -788,8 +809,8 @@
         </p:nvSpPr>
         <p:spPr>
           <a:xfrm>
-            <a:off x="1371600" y="5650704"/>
-            <a:ext cx="5791200" cy="365125"/>
+            <a:off x="1828800" y="5650705"/>
+            <a:ext cx="7721600" cy="365125"/>
           </a:xfrm>
         </p:spPr>
         <p:txBody>
@@ -816,8 +837,8 @@
         </p:nvSpPr>
         <p:spPr>
           <a:xfrm>
-            <a:off x="8392247" y="5752307"/>
-            <a:ext cx="502920" cy="365125"/>
+            <a:off x="11189663" y="5752308"/>
+            <a:ext cx="670560" cy="365125"/>
           </a:xfrm>
         </p:spPr>
         <p:txBody>
@@ -957,7 +978,7 @@
           <a:p>
             <a:fld id="{530820CF-B880-4189-942D-D702A7CBA730}" type="datetimeFigureOut">
               <a:rPr lang="zh-CN" altLang="en-US" smtClean="0"/>
-              <a:t>2024/5/8</a:t>
+              <a:t>2024/5/26</a:t>
             </a:fld>
             <a:endParaRPr lang="zh-CN" altLang="en-US"/>
           </a:p>
@@ -1042,8 +1063,8 @@
         </p:nvSpPr>
         <p:spPr>
           <a:xfrm>
-            <a:off x="6781800" y="381000"/>
-            <a:ext cx="1905000" cy="5486400"/>
+            <a:off x="9042400" y="381000"/>
+            <a:ext cx="2540000" cy="5486400"/>
           </a:xfrm>
         </p:spPr>
         <p:txBody>
@@ -1070,8 +1091,8 @@
         </p:nvSpPr>
         <p:spPr>
           <a:xfrm>
-            <a:off x="457200" y="381000"/>
-            <a:ext cx="6248400" cy="5486400"/>
+            <a:off x="609600" y="381000"/>
+            <a:ext cx="8331200" cy="5486400"/>
           </a:xfrm>
         </p:spPr>
         <p:txBody>
@@ -1132,7 +1153,7 @@
           <a:p>
             <a:fld id="{530820CF-B880-4189-942D-D702A7CBA730}" type="datetimeFigureOut">
               <a:rPr lang="zh-CN" altLang="en-US" smtClean="0"/>
-              <a:t>2024/5/8</a:t>
+              <a:t>2024/5/26</a:t>
             </a:fld>
             <a:endParaRPr lang="zh-CN" altLang="en-US"/>
           </a:p>
@@ -1217,8 +1238,8 @@
         </p:nvSpPr>
         <p:spPr>
           <a:xfrm>
-            <a:off x="457200" y="267494"/>
-            <a:ext cx="8229600" cy="1399032"/>
+            <a:off x="609600" y="267494"/>
+            <a:ext cx="10972800" cy="1399032"/>
           </a:xfrm>
         </p:spPr>
         <p:txBody>
@@ -1245,8 +1266,8 @@
         </p:nvSpPr>
         <p:spPr>
           <a:xfrm>
-            <a:off x="457200" y="1882808"/>
-            <a:ext cx="8229600" cy="4572000"/>
+            <a:off x="609600" y="1882808"/>
+            <a:ext cx="10972800" cy="4572000"/>
           </a:xfrm>
         </p:spPr>
         <p:txBody>
@@ -1302,8 +1323,8 @@
         </p:nvSpPr>
         <p:spPr>
           <a:xfrm>
-            <a:off x="4791456" y="6480048"/>
-            <a:ext cx="2133600" cy="301752"/>
+            <a:off x="6388608" y="6480048"/>
+            <a:ext cx="2844800" cy="301752"/>
           </a:xfrm>
         </p:spPr>
         <p:txBody>
@@ -1312,7 +1333,7 @@
           <a:p>
             <a:fld id="{530820CF-B880-4189-942D-D702A7CBA730}" type="datetimeFigureOut">
               <a:rPr lang="zh-CN" altLang="en-US" smtClean="0"/>
-              <a:t>2024/5/8</a:t>
+              <a:t>2024/5/26</a:t>
             </a:fld>
             <a:endParaRPr lang="zh-CN" altLang="en-US"/>
           </a:p>
@@ -1330,8 +1351,8 @@
         </p:nvSpPr>
         <p:spPr>
           <a:xfrm>
-            <a:off x="457200" y="6480969"/>
-            <a:ext cx="4260056" cy="300831"/>
+            <a:off x="609600" y="6480970"/>
+            <a:ext cx="5680075" cy="300831"/>
           </a:xfrm>
         </p:spPr>
         <p:txBody>
@@ -1403,8 +1424,8 @@
         </p:nvSpPr>
         <p:spPr>
           <a:xfrm flipV="1">
-            <a:off x="7034" y="7034"/>
-            <a:ext cx="9129932" cy="6836899"/>
+            <a:off x="9379" y="7035"/>
+            <a:ext cx="12173243" cy="6836899"/>
           </a:xfrm>
           <a:prstGeom prst="rtTriangle">
             <a:avLst/>
@@ -1474,8 +1495,8 @@
         </p:nvSpPr>
         <p:spPr>
           <a:xfrm rot="5400000" flipV="1">
-            <a:off x="7554353" y="309490"/>
-            <a:ext cx="1892949" cy="1294228"/>
+            <a:off x="10387963" y="93786"/>
+            <a:ext cx="1892949" cy="1725637"/>
           </a:xfrm>
           <a:prstGeom prst="triangle">
             <a:avLst>
@@ -1533,7 +1554,7 @@
           <a:lstStyle/>
           <a:p>
             <a:pPr algn="ctr" eaLnBrk="1" latinLnBrk="0" hangingPunct="1"/>
-            <a:endParaRPr kumimoji="0" lang="en-US" dirty="0"/>
+            <a:endParaRPr kumimoji="0" lang="en-US" sz="1800" dirty="0"/>
           </a:p>
         </p:txBody>
       </p:sp>
@@ -1549,8 +1570,8 @@
         </p:nvSpPr>
         <p:spPr>
           <a:xfrm>
-            <a:off x="6955632" y="6477000"/>
-            <a:ext cx="2133600" cy="304800"/>
+            <a:off x="9274176" y="6477000"/>
+            <a:ext cx="2844800" cy="304800"/>
           </a:xfrm>
         </p:spPr>
         <p:txBody>
@@ -1559,7 +1580,7 @@
           <a:p>
             <a:fld id="{530820CF-B880-4189-942D-D702A7CBA730}" type="datetimeFigureOut">
               <a:rPr lang="zh-CN" altLang="en-US" smtClean="0"/>
-              <a:t>2024/5/8</a:t>
+              <a:t>2024/5/26</a:t>
             </a:fld>
             <a:endParaRPr lang="zh-CN" altLang="en-US"/>
           </a:p>
@@ -1577,8 +1598,8 @@
         </p:nvSpPr>
         <p:spPr>
           <a:xfrm>
-            <a:off x="2619376" y="6480969"/>
-            <a:ext cx="4260056" cy="300831"/>
+            <a:off x="3492501" y="6480970"/>
+            <a:ext cx="5680075" cy="300831"/>
           </a:xfrm>
         </p:spPr>
         <p:txBody>
@@ -1601,8 +1622,8 @@
         </p:nvSpPr>
         <p:spPr>
           <a:xfrm>
-            <a:off x="8451056" y="809624"/>
-            <a:ext cx="502920" cy="300831"/>
+            <a:off x="11268075" y="809625"/>
+            <a:ext cx="670560" cy="300831"/>
           </a:xfrm>
         </p:spPr>
         <p:txBody>
@@ -1625,8 +1646,8 @@
         </p:nvCxnSpPr>
         <p:spPr>
           <a:xfrm rot="10800000">
-            <a:off x="6468794" y="9381"/>
-            <a:ext cx="2672861" cy="1900210"/>
+            <a:off x="8625059" y="9381"/>
+            <a:ext cx="3563815" cy="1900210"/>
           </a:xfrm>
           <a:prstGeom prst="line">
             <a:avLst/>
@@ -1667,8 +1688,8 @@
         </p:nvCxnSpPr>
         <p:spPr>
           <a:xfrm flipV="1">
-            <a:off x="0" y="7034"/>
-            <a:ext cx="9136966" cy="6843933"/>
+            <a:off x="0" y="7035"/>
+            <a:ext cx="12182621" cy="6843933"/>
           </a:xfrm>
           <a:prstGeom prst="line">
             <a:avLst/>
@@ -1713,8 +1734,8 @@
         </p:nvSpPr>
         <p:spPr>
           <a:xfrm>
-            <a:off x="381000" y="271464"/>
-            <a:ext cx="7239000" cy="1362075"/>
+            <a:off x="508000" y="271465"/>
+            <a:ext cx="9652000" cy="1362075"/>
           </a:xfrm>
         </p:spPr>
         <p:txBody>
@@ -1746,8 +1767,8 @@
         </p:nvSpPr>
         <p:spPr>
           <a:xfrm>
-            <a:off x="381000" y="1633536"/>
-            <a:ext cx="3886200" cy="2286000"/>
+            <a:off x="508000" y="1633536"/>
+            <a:ext cx="5181600" cy="2286000"/>
           </a:xfrm>
         </p:spPr>
         <p:txBody>
@@ -1877,8 +1898,8 @@
         </p:nvSpPr>
         <p:spPr>
           <a:xfrm>
-            <a:off x="457200" y="1722437"/>
-            <a:ext cx="4038600" cy="4525963"/>
+            <a:off x="609600" y="1722438"/>
+            <a:ext cx="5384800" cy="4525963"/>
           </a:xfrm>
         </p:spPr>
         <p:txBody>
@@ -1950,8 +1971,8 @@
         </p:nvSpPr>
         <p:spPr>
           <a:xfrm>
-            <a:off x="4648200" y="1722437"/>
-            <a:ext cx="4038600" cy="4525963"/>
+            <a:off x="6197600" y="1722438"/>
+            <a:ext cx="5384800" cy="4525963"/>
           </a:xfrm>
         </p:spPr>
         <p:txBody>
@@ -2023,8 +2044,8 @@
         </p:nvSpPr>
         <p:spPr>
           <a:xfrm>
-            <a:off x="4791456" y="6480969"/>
-            <a:ext cx="2133600" cy="301752"/>
+            <a:off x="6388608" y="6480969"/>
+            <a:ext cx="2844800" cy="301752"/>
           </a:xfrm>
         </p:spPr>
         <p:txBody>
@@ -2033,7 +2054,7 @@
           <a:p>
             <a:fld id="{530820CF-B880-4189-942D-D702A7CBA730}" type="datetimeFigureOut">
               <a:rPr lang="zh-CN" altLang="en-US" smtClean="0"/>
-              <a:t>2024/5/8</a:t>
+              <a:t>2024/5/26</a:t>
             </a:fld>
             <a:endParaRPr lang="zh-CN" altLang="en-US"/>
           </a:p>
@@ -2051,8 +2072,8 @@
         </p:nvSpPr>
         <p:spPr>
           <a:xfrm>
-            <a:off x="457200" y="6480969"/>
-            <a:ext cx="4260056" cy="301752"/>
+            <a:off x="609600" y="6480969"/>
+            <a:ext cx="5680075" cy="301752"/>
           </a:xfrm>
         </p:spPr>
         <p:txBody>
@@ -2075,8 +2096,8 @@
         </p:nvSpPr>
         <p:spPr>
           <a:xfrm>
-            <a:off x="7589520" y="6480969"/>
-            <a:ext cx="502920" cy="301752"/>
+            <a:off x="10119360" y="6480969"/>
+            <a:ext cx="670560" cy="301752"/>
           </a:xfrm>
         </p:spPr>
         <p:txBody>
@@ -2133,8 +2154,8 @@
         </p:nvSpPr>
         <p:spPr>
           <a:xfrm>
-            <a:off x="248198" y="290732"/>
-            <a:ext cx="1066800" cy="6153912"/>
+            <a:off x="330931" y="290732"/>
+            <a:ext cx="1422400" cy="6153912"/>
           </a:xfrm>
         </p:spPr>
         <p:txBody>
@@ -2174,8 +2195,8 @@
         </p:nvSpPr>
         <p:spPr>
           <a:xfrm>
-            <a:off x="1365006" y="290732"/>
-            <a:ext cx="581024" cy="3017520"/>
+            <a:off x="1820008" y="290732"/>
+            <a:ext cx="774699" cy="3017520"/>
           </a:xfrm>
           <a:solidFill>
             <a:schemeClr val="bg1"/>
@@ -2233,8 +2254,8 @@
         </p:nvSpPr>
         <p:spPr>
           <a:xfrm>
-            <a:off x="1365006" y="3427124"/>
-            <a:ext cx="581024" cy="3017520"/>
+            <a:off x="1820008" y="3427124"/>
+            <a:ext cx="774699" cy="3017520"/>
           </a:xfrm>
           <a:solidFill>
             <a:schemeClr val="bg1"/>
@@ -2292,8 +2313,8 @@
         </p:nvSpPr>
         <p:spPr>
           <a:xfrm>
-            <a:off x="2022230" y="290732"/>
-            <a:ext cx="6858000" cy="3017520"/>
+            <a:off x="2696307" y="290732"/>
+            <a:ext cx="9144000" cy="3017520"/>
           </a:xfrm>
         </p:spPr>
         <p:txBody>
@@ -2365,8 +2386,8 @@
         </p:nvSpPr>
         <p:spPr>
           <a:xfrm>
-            <a:off x="2022230" y="3427124"/>
-            <a:ext cx="6858000" cy="3017520"/>
+            <a:off x="2696307" y="3427124"/>
+            <a:ext cx="9144000" cy="3017520"/>
           </a:xfrm>
         </p:spPr>
         <p:txBody>
@@ -2438,8 +2459,8 @@
         </p:nvSpPr>
         <p:spPr>
           <a:xfrm>
-            <a:off x="4791456" y="6480969"/>
-            <a:ext cx="2130552" cy="301752"/>
+            <a:off x="6388608" y="6480969"/>
+            <a:ext cx="2840736" cy="301752"/>
           </a:xfrm>
         </p:spPr>
         <p:txBody>
@@ -2448,7 +2469,7 @@
           <a:p>
             <a:fld id="{530820CF-B880-4189-942D-D702A7CBA730}" type="datetimeFigureOut">
               <a:rPr lang="zh-CN" altLang="en-US" smtClean="0"/>
-              <a:t>2024/5/8</a:t>
+              <a:t>2024/5/26</a:t>
             </a:fld>
             <a:endParaRPr lang="zh-CN" altLang="en-US"/>
           </a:p>
@@ -2466,8 +2487,8 @@
         </p:nvSpPr>
         <p:spPr>
           <a:xfrm>
-            <a:off x="457200" y="6480969"/>
-            <a:ext cx="4261104" cy="301752"/>
+            <a:off x="609600" y="6480969"/>
+            <a:ext cx="5681472" cy="301752"/>
           </a:xfrm>
         </p:spPr>
         <p:txBody>
@@ -2490,8 +2511,8 @@
         </p:nvSpPr>
         <p:spPr>
           <a:xfrm>
-            <a:off x="7589520" y="6483096"/>
-            <a:ext cx="502920" cy="301752"/>
+            <a:off x="10119360" y="6483096"/>
+            <a:ext cx="670560" cy="301752"/>
           </a:xfrm>
         </p:spPr>
         <p:txBody>
@@ -2579,7 +2600,7 @@
           <a:p>
             <a:fld id="{530820CF-B880-4189-942D-D702A7CBA730}" type="datetimeFigureOut">
               <a:rPr lang="zh-CN" altLang="en-US" smtClean="0"/>
-              <a:t>2024/5/8</a:t>
+              <a:t>2024/5/26</a:t>
             </a:fld>
             <a:endParaRPr lang="zh-CN" altLang="en-US"/>
           </a:p>
@@ -2664,8 +2685,8 @@
         </p:nvSpPr>
         <p:spPr>
           <a:xfrm>
-            <a:off x="4791456" y="6480969"/>
-            <a:ext cx="2133600" cy="301752"/>
+            <a:off x="6388608" y="6480969"/>
+            <a:ext cx="2844800" cy="301752"/>
           </a:xfrm>
         </p:spPr>
         <p:txBody>
@@ -2674,7 +2695,7 @@
           <a:p>
             <a:fld id="{530820CF-B880-4189-942D-D702A7CBA730}" type="datetimeFigureOut">
               <a:rPr lang="zh-CN" altLang="en-US" smtClean="0"/>
-              <a:t>2024/5/8</a:t>
+              <a:t>2024/5/26</a:t>
             </a:fld>
             <a:endParaRPr lang="zh-CN" altLang="en-US"/>
           </a:p>
@@ -2692,8 +2713,8 @@
         </p:nvSpPr>
         <p:spPr>
           <a:xfrm>
-            <a:off x="457200" y="6481890"/>
-            <a:ext cx="4260056" cy="300831"/>
+            <a:off x="609600" y="6481891"/>
+            <a:ext cx="5680075" cy="300831"/>
           </a:xfrm>
         </p:spPr>
         <p:txBody>
@@ -2716,8 +2737,8 @@
         </p:nvSpPr>
         <p:spPr>
           <a:xfrm>
-            <a:off x="7589520" y="6480969"/>
-            <a:ext cx="502920" cy="301752"/>
+            <a:off x="10119360" y="6480969"/>
+            <a:ext cx="670560" cy="301752"/>
           </a:xfrm>
         </p:spPr>
         <p:txBody>
@@ -2774,8 +2795,8 @@
         </p:nvSpPr>
         <p:spPr>
           <a:xfrm>
-            <a:off x="219456" y="367664"/>
-            <a:ext cx="914400" cy="5943600"/>
+            <a:off x="292608" y="367664"/>
+            <a:ext cx="1219200" cy="5943600"/>
           </a:xfrm>
         </p:spPr>
         <p:txBody>
@@ -2810,8 +2831,8 @@
         </p:nvSpPr>
         <p:spPr>
           <a:xfrm>
-            <a:off x="1135856" y="367664"/>
-            <a:ext cx="2438400" cy="5943600"/>
+            <a:off x="1514475" y="367664"/>
+            <a:ext cx="3251200" cy="5943600"/>
           </a:xfrm>
         </p:spPr>
         <p:txBody>
@@ -2862,8 +2883,8 @@
         </p:nvSpPr>
         <p:spPr>
           <a:xfrm>
-            <a:off x="3651250" y="320040"/>
-            <a:ext cx="5276088" cy="5989320"/>
+            <a:off x="4868333" y="320040"/>
+            <a:ext cx="7034784" cy="5989320"/>
           </a:xfrm>
         </p:spPr>
         <p:txBody>
@@ -2938,8 +2959,8 @@
         </p:nvSpPr>
         <p:spPr>
           <a:xfrm>
-            <a:off x="6278976" y="6556248"/>
-            <a:ext cx="2133600" cy="301752"/>
+            <a:off x="8371968" y="6556248"/>
+            <a:ext cx="2844800" cy="301752"/>
           </a:xfrm>
         </p:spPr>
         <p:txBody>
@@ -2952,7 +2973,7 @@
           <a:p>
             <a:fld id="{530820CF-B880-4189-942D-D702A7CBA730}" type="datetimeFigureOut">
               <a:rPr lang="zh-CN" altLang="en-US" smtClean="0"/>
-              <a:t>2024/5/8</a:t>
+              <a:t>2024/5/26</a:t>
             </a:fld>
             <a:endParaRPr lang="zh-CN" altLang="en-US"/>
           </a:p>
@@ -2970,8 +2991,8 @@
         </p:nvSpPr>
         <p:spPr>
           <a:xfrm>
-            <a:off x="1135856" y="6556248"/>
-            <a:ext cx="5143120" cy="301752"/>
+            <a:off x="1514475" y="6556248"/>
+            <a:ext cx="6857493" cy="301752"/>
           </a:xfrm>
         </p:spPr>
         <p:txBody>
@@ -2998,8 +3019,8 @@
         </p:nvSpPr>
         <p:spPr>
           <a:xfrm>
-            <a:off x="8410576" y="6556248"/>
-            <a:ext cx="502920" cy="301752"/>
+            <a:off x="11214101" y="6556248"/>
+            <a:ext cx="670560" cy="301752"/>
           </a:xfrm>
         </p:spPr>
         <p:txBody>
@@ -3060,8 +3081,8 @@
         </p:nvSpPr>
         <p:spPr>
           <a:xfrm>
-            <a:off x="219456" y="150896"/>
-            <a:ext cx="914400" cy="6400800"/>
+            <a:off x="292608" y="150896"/>
+            <a:ext cx="1219200" cy="6400800"/>
           </a:xfrm>
         </p:spPr>
         <p:txBody>
@@ -3093,8 +3114,8 @@
         </p:nvSpPr>
         <p:spPr>
           <a:xfrm>
-            <a:off x="1138237" y="373966"/>
-            <a:ext cx="7333488" cy="5486400"/>
+            <a:off x="1517649" y="373966"/>
+            <a:ext cx="9777984" cy="5486400"/>
           </a:xfrm>
           <a:solidFill>
             <a:schemeClr val="bg2">
@@ -3131,8 +3152,8 @@
         </p:nvSpPr>
         <p:spPr>
           <a:xfrm>
-            <a:off x="1143000" y="5867400"/>
-            <a:ext cx="7333488" cy="685800"/>
+            <a:off x="1524000" y="5867400"/>
+            <a:ext cx="9777984" cy="685800"/>
           </a:xfrm>
           <a:solidFill>
             <a:schemeClr val="accent1">
@@ -3190,8 +3211,8 @@
         </p:nvSpPr>
         <p:spPr>
           <a:xfrm>
-            <a:off x="6108192" y="6556248"/>
-            <a:ext cx="2103120" cy="301752"/>
+            <a:off x="8144256" y="6556248"/>
+            <a:ext cx="2804160" cy="301752"/>
           </a:xfrm>
         </p:spPr>
         <p:txBody>
@@ -3204,7 +3225,7 @@
           <a:p>
             <a:fld id="{530820CF-B880-4189-942D-D702A7CBA730}" type="datetimeFigureOut">
               <a:rPr lang="zh-CN" altLang="en-US" smtClean="0"/>
-              <a:t>2024/5/8</a:t>
+              <a:t>2024/5/26</a:t>
             </a:fld>
             <a:endParaRPr lang="zh-CN" altLang="en-US"/>
           </a:p>
@@ -3222,8 +3243,8 @@
         </p:nvSpPr>
         <p:spPr>
           <a:xfrm>
-            <a:off x="1170432" y="6557169"/>
-            <a:ext cx="4948072" cy="301752"/>
+            <a:off x="1560576" y="6557169"/>
+            <a:ext cx="6597429" cy="301752"/>
           </a:xfrm>
         </p:spPr>
         <p:txBody>
@@ -3250,8 +3271,8 @@
         </p:nvSpPr>
         <p:spPr>
           <a:xfrm>
-            <a:off x="8217192" y="6556248"/>
-            <a:ext cx="365760" cy="301752"/>
+            <a:off x="10956256" y="6556248"/>
+            <a:ext cx="487680" cy="301752"/>
           </a:xfrm>
         </p:spPr>
         <p:txBody>
@@ -3308,8 +3329,8 @@
         </p:nvSpPr>
         <p:spPr>
           <a:xfrm>
-            <a:off x="7034" y="14068"/>
-            <a:ext cx="9129932" cy="6836899"/>
+            <a:off x="9379" y="14069"/>
+            <a:ext cx="12173243" cy="6836899"/>
           </a:xfrm>
           <a:prstGeom prst="rtTriangle">
             <a:avLst/>
@@ -3360,7 +3381,7 @@
           <a:lstStyle/>
           <a:p>
             <a:pPr algn="ctr" eaLnBrk="1" latinLnBrk="0" hangingPunct="1"/>
-            <a:endParaRPr kumimoji="0" lang="en-US" dirty="0"/>
+            <a:endParaRPr kumimoji="0" lang="en-US" sz="1800" dirty="0"/>
           </a:p>
         </p:txBody>
       </p:sp>
@@ -3372,8 +3393,8 @@
         </p:nvCxnSpPr>
         <p:spPr>
           <a:xfrm>
-            <a:off x="0" y="7034"/>
-            <a:ext cx="9136966" cy="6843933"/>
+            <a:off x="0" y="7035"/>
+            <a:ext cx="12182621" cy="6843933"/>
           </a:xfrm>
           <a:prstGeom prst="line">
             <a:avLst/>
@@ -3414,8 +3435,8 @@
         </p:nvCxnSpPr>
         <p:spPr>
           <a:xfrm rot="10800000" flipV="1">
-            <a:off x="6468794" y="4948410"/>
-            <a:ext cx="2672861" cy="1900210"/>
+            <a:off x="8625059" y="4948410"/>
+            <a:ext cx="3563815" cy="1900210"/>
           </a:xfrm>
           <a:prstGeom prst="line">
             <a:avLst/>
@@ -3460,8 +3481,8 @@
         </p:nvSpPr>
         <p:spPr>
           <a:xfrm>
-            <a:off x="457200" y="267494"/>
-            <a:ext cx="8229600" cy="1399032"/>
+            <a:off x="609600" y="267494"/>
+            <a:ext cx="10972800" cy="1399032"/>
           </a:xfrm>
           <a:prstGeom prst="rect">
             <a:avLst/>
@@ -3493,8 +3514,8 @@
         </p:nvSpPr>
         <p:spPr>
           <a:xfrm>
-            <a:off x="457200" y="1882808"/>
-            <a:ext cx="8229600" cy="4572000"/>
+            <a:off x="609600" y="1882808"/>
+            <a:ext cx="10972800" cy="4572000"/>
           </a:xfrm>
           <a:prstGeom prst="rect">
             <a:avLst/>
@@ -3555,8 +3576,8 @@
         </p:nvSpPr>
         <p:spPr>
           <a:xfrm>
-            <a:off x="4791456" y="6480969"/>
-            <a:ext cx="2133600" cy="301752"/>
+            <a:off x="6388608" y="6480969"/>
+            <a:ext cx="2844800" cy="301752"/>
           </a:xfrm>
           <a:prstGeom prst="rect">
             <a:avLst/>
@@ -3576,7 +3597,7 @@
           <a:p>
             <a:fld id="{530820CF-B880-4189-942D-D702A7CBA730}" type="datetimeFigureOut">
               <a:rPr lang="zh-CN" altLang="en-US" smtClean="0"/>
-              <a:t>2024/5/8</a:t>
+              <a:t>2024/5/26</a:t>
             </a:fld>
             <a:endParaRPr lang="zh-CN" altLang="en-US"/>
           </a:p>
@@ -3594,8 +3615,8 @@
         </p:nvSpPr>
         <p:spPr>
           <a:xfrm>
-            <a:off x="457200" y="6481890"/>
-            <a:ext cx="4260056" cy="300831"/>
+            <a:off x="609600" y="6481891"/>
+            <a:ext cx="5680075" cy="300831"/>
           </a:xfrm>
           <a:prstGeom prst="rect">
             <a:avLst/>
@@ -3629,8 +3650,8 @@
         </p:nvSpPr>
         <p:spPr>
           <a:xfrm>
-            <a:off x="7589520" y="6480969"/>
-            <a:ext cx="502920" cy="301752"/>
+            <a:off x="10119360" y="6480969"/>
+            <a:ext cx="670560" cy="301752"/>
           </a:xfrm>
           <a:prstGeom prst="rect">
             <a:avLst/>
@@ -4015,14 +4036,21 @@
                 <a:latin typeface="微软雅黑" pitchFamily="34" charset="-122"/>
                 <a:ea typeface="微软雅黑" pitchFamily="34" charset="-122"/>
               </a:rPr>
-              <a:t>BodhiB2B</a:t>
+              <a:t>BodhiECP</a:t>
             </a:r>
             <a:r>
               <a:rPr lang="zh-CN" altLang="en-US" b="1" dirty="0" smtClean="0">
                 <a:latin typeface="微软雅黑" pitchFamily="34" charset="-122"/>
                 <a:ea typeface="微软雅黑" pitchFamily="34" charset="-122"/>
               </a:rPr>
-              <a:t>开发教程</a:t>
+              <a:t>开发</a:t>
+            </a:r>
+            <a:r>
+              <a:rPr lang="zh-CN" altLang="en-US" b="1" dirty="0" smtClean="0">
+                <a:latin typeface="微软雅黑" pitchFamily="34" charset="-122"/>
+                <a:ea typeface="微软雅黑" pitchFamily="34" charset="-122"/>
+              </a:rPr>
+              <a:t>教程</a:t>
             </a:r>
             <a:endParaRPr lang="zh-CN" altLang="en-US" b="1" dirty="0">
               <a:latin typeface="微软雅黑" pitchFamily="34" charset="-122"/>
@@ -4070,7 +4098,7 @@
         </p:nvSpPr>
         <p:spPr>
           <a:xfrm>
-            <a:off x="7308303" y="2996952"/>
+            <a:off x="8832304" y="2996952"/>
             <a:ext cx="1171403" cy="369332"/>
           </a:xfrm>
           <a:prstGeom prst="rect">
@@ -4085,10 +4113,9 @@
           <a:lstStyle/>
           <a:p>
             <a:r>
-              <a:rPr lang="zh-CN" altLang="en-US" dirty="0" smtClean="0"/>
+              <a:rPr lang="zh-CN" altLang="en-US" dirty="0"/>
               <a:t>开心学派</a:t>
             </a:r>
-            <a:endParaRPr lang="zh-CN" altLang="en-US" dirty="0"/>
           </a:p>
         </p:txBody>
       </p:sp>
@@ -4141,7 +4168,7 @@
         </p:nvSpPr>
         <p:spPr>
           <a:xfrm>
-            <a:off x="1043608" y="1844824"/>
+            <a:off x="2567608" y="1844824"/>
             <a:ext cx="8229600" cy="2842336"/>
           </a:xfrm>
         </p:spPr>
@@ -4165,14 +4192,21 @@
                 <a:latin typeface="微软雅黑" pitchFamily="34" charset="-122"/>
                 <a:ea typeface="微软雅黑" pitchFamily="34" charset="-122"/>
               </a:rPr>
-              <a:t>BodhiEC</a:t>
+              <a:t>BodhiECP</a:t>
             </a:r>
             <a:r>
               <a:rPr lang="zh-CN" altLang="en-US" dirty="0" smtClean="0">
                 <a:latin typeface="微软雅黑" pitchFamily="34" charset="-122"/>
                 <a:ea typeface="微软雅黑" pitchFamily="34" charset="-122"/>
               </a:rPr>
-              <a:t>做二次开发</a:t>
+              <a:t>做</a:t>
+            </a:r>
+            <a:r>
+              <a:rPr lang="zh-CN" altLang="en-US" dirty="0" smtClean="0">
+                <a:latin typeface="微软雅黑" pitchFamily="34" charset="-122"/>
+                <a:ea typeface="微软雅黑" pitchFamily="34" charset="-122"/>
+              </a:rPr>
+              <a:t>二次开发</a:t>
             </a:r>
             <a:endParaRPr lang="en-US" altLang="zh-CN" dirty="0" smtClean="0">
               <a:latin typeface="微软雅黑" pitchFamily="34" charset="-122"/>
@@ -4227,7 +4261,7 @@
         </p:nvSpPr>
         <p:spPr>
           <a:xfrm>
-            <a:off x="35496" y="267494"/>
+            <a:off x="1559496" y="267494"/>
             <a:ext cx="8229600" cy="1399032"/>
           </a:xfrm>
         </p:spPr>
@@ -4249,19 +4283,11 @@
             </a:r>
             <a:r>
               <a:rPr lang="en-US" altLang="zh-CN" dirty="0" smtClean="0"/>
-              <a:t>BodhiB2B</a:t>
+              <a:t>BodhiECP</a:t>
             </a:r>
             <a:r>
               <a:rPr lang="zh-CN" altLang="en-US" dirty="0" smtClean="0"/>
-              <a:t>菩提</a:t>
-            </a:r>
-            <a:r>
-              <a:rPr lang="zh-CN" altLang="en-US" dirty="0"/>
-              <a:t>大电</a:t>
-            </a:r>
-            <a:r>
-              <a:rPr lang="zh-CN" altLang="en-US" dirty="0" smtClean="0"/>
-              <a:t>商概述</a:t>
+              <a:t>菩提电商平台概述</a:t>
             </a:r>
             <a:endParaRPr lang="zh-CN" altLang="en-US" dirty="0"/>
           </a:p>
@@ -4316,7 +4342,7 @@
         </p:nvSpPr>
         <p:spPr>
           <a:xfrm>
-            <a:off x="35496" y="267494"/>
+            <a:off x="1559496" y="267494"/>
             <a:ext cx="8229600" cy="1399032"/>
           </a:xfrm>
         </p:spPr>
@@ -4326,7 +4352,7 @@
           <a:p>
             <a:r>
               <a:rPr lang="en-US" altLang="zh-CN" dirty="0" smtClean="0"/>
-              <a:t>2.BodhiB2B</a:t>
+              <a:t>2.BodhiECP</a:t>
             </a:r>
             <a:r>
               <a:rPr lang="zh-CN" altLang="en-US" dirty="0" smtClean="0"/>
@@ -4359,7 +4385,7 @@
         </p:nvSpPr>
         <p:spPr>
           <a:xfrm>
-            <a:off x="899592" y="1882808"/>
+            <a:off x="2423592" y="1882808"/>
             <a:ext cx="7632848" cy="3562416"/>
           </a:xfrm>
         </p:spPr>
@@ -4481,7 +4507,7 @@
         </p:nvSpPr>
         <p:spPr>
           <a:xfrm>
-            <a:off x="35496" y="267494"/>
+            <a:off x="1559496" y="267494"/>
             <a:ext cx="8686800" cy="1399032"/>
           </a:xfrm>
         </p:spPr>
@@ -4517,7 +4543,7 @@
         </p:nvSpPr>
         <p:spPr>
           <a:xfrm>
-            <a:off x="899592" y="1916832"/>
+            <a:off x="2423592" y="1916832"/>
             <a:ext cx="6203032" cy="2554304"/>
           </a:xfrm>
         </p:spPr>
@@ -4633,7 +4659,7 @@
         </p:nvSpPr>
         <p:spPr>
           <a:xfrm>
-            <a:off x="35496" y="267494"/>
+            <a:off x="1559496" y="267494"/>
             <a:ext cx="8686800" cy="1399032"/>
           </a:xfrm>
         </p:spPr>
@@ -4669,7 +4695,7 @@
         </p:nvSpPr>
         <p:spPr>
           <a:xfrm>
-            <a:off x="899592" y="1916832"/>
+            <a:off x="2423592" y="1916832"/>
             <a:ext cx="5842992" cy="2016224"/>
           </a:xfrm>
         </p:spPr>
@@ -4767,8 +4793,8 @@
         </p:nvSpPr>
         <p:spPr>
           <a:xfrm>
-            <a:off x="35496" y="267494"/>
-            <a:ext cx="8867328" cy="1399032"/>
+            <a:off x="1559496" y="267494"/>
+            <a:ext cx="9289032" cy="1399032"/>
           </a:xfrm>
         </p:spPr>
         <p:txBody>
@@ -4785,7 +4811,7 @@
             </a:r>
             <a:r>
               <a:rPr lang="en-US" altLang="zh-CN" dirty="0" smtClean="0"/>
-              <a:t>BodhiB2B</a:t>
+              <a:t>BodhiECP</a:t>
             </a:r>
             <a:r>
               <a:rPr lang="zh-CN" altLang="en-US" dirty="0" smtClean="0"/>
@@ -4810,7 +4836,7 @@
         </p:nvSpPr>
         <p:spPr>
           <a:xfrm>
-            <a:off x="899592" y="1700808"/>
+            <a:off x="2423592" y="1700808"/>
             <a:ext cx="3240360" cy="4680520"/>
           </a:xfrm>
         </p:spPr>
@@ -4852,26 +4878,47 @@
           </a:p>
           <a:p>
             <a:r>
+              <a:rPr lang="zh-CN" altLang="en-US" dirty="0" smtClean="0"/>
+              <a:t>后端工程师</a:t>
+            </a:r>
+            <a:endParaRPr lang="en-US" altLang="zh-CN" dirty="0" smtClean="0"/>
+          </a:p>
+          <a:p>
+            <a:r>
+              <a:rPr lang="zh-CN" altLang="en-US" dirty="0" smtClean="0"/>
+              <a:t>运维工程师</a:t>
+            </a:r>
+            <a:endParaRPr lang="en-US" altLang="zh-CN" dirty="0" smtClean="0"/>
+          </a:p>
+          <a:p>
+            <a:r>
+              <a:rPr lang="zh-CN" altLang="en-US" dirty="0" smtClean="0"/>
+              <a:t>测试工程师</a:t>
+            </a:r>
+            <a:endParaRPr lang="en-US" altLang="zh-CN" dirty="0"/>
+          </a:p>
+          <a:p>
+            <a:r>
               <a:rPr lang="zh-CN" altLang="en-US" dirty="0"/>
+              <a:t>产品</a:t>
+            </a:r>
+            <a:r>
+              <a:rPr lang="zh-CN" altLang="en-US" dirty="0" smtClean="0"/>
+              <a:t>设计</a:t>
+            </a:r>
+            <a:endParaRPr lang="en-US" altLang="zh-CN" dirty="0" smtClean="0"/>
+          </a:p>
+          <a:p>
+            <a:r>
+              <a:rPr lang="zh-CN" altLang="en-US" dirty="0" smtClean="0"/>
               <a:t>安卓工程师</a:t>
             </a:r>
-            <a:endParaRPr lang="en-US" altLang="zh-CN" dirty="0"/>
-          </a:p>
-          <a:p>
-            <a:r>
-              <a:rPr lang="en-US" altLang="zh-CN" dirty="0"/>
+            <a:endParaRPr lang="en-US" altLang="zh-CN" dirty="0" smtClean="0"/>
+          </a:p>
+          <a:p>
+            <a:r>
+              <a:rPr lang="en-US" altLang="zh-CN" dirty="0" smtClean="0"/>
               <a:t>IOS</a:t>
-            </a:r>
-            <a:r>
-              <a:rPr lang="zh-CN" altLang="en-US" dirty="0"/>
-              <a:t>工程师</a:t>
-            </a:r>
-            <a:endParaRPr lang="en-US" altLang="zh-CN" dirty="0"/>
-          </a:p>
-          <a:p>
-            <a:r>
-              <a:rPr lang="zh-CN" altLang="en-US" dirty="0"/>
-              <a:t>游戏</a:t>
             </a:r>
             <a:r>
               <a:rPr lang="zh-CN" altLang="en-US" dirty="0" smtClean="0"/>
@@ -4882,34 +4929,9 @@
           <a:p>
             <a:r>
               <a:rPr lang="zh-CN" altLang="en-US" dirty="0" smtClean="0"/>
-              <a:t>后端工程师</a:t>
-            </a:r>
-            <a:endParaRPr lang="en-US" altLang="zh-CN" dirty="0" smtClean="0"/>
-          </a:p>
-          <a:p>
-            <a:r>
-              <a:rPr lang="zh-CN" altLang="en-US" dirty="0" smtClean="0"/>
-              <a:t>运维工程师</a:t>
-            </a:r>
-            <a:endParaRPr lang="en-US" altLang="zh-CN" dirty="0" smtClean="0"/>
-          </a:p>
-          <a:p>
-            <a:r>
-              <a:rPr lang="zh-CN" altLang="en-US" dirty="0" smtClean="0"/>
-              <a:t>测试工程师</a:t>
+              <a:t>游戏工程师</a:t>
             </a:r>
             <a:endParaRPr lang="en-US" altLang="zh-CN" dirty="0"/>
-          </a:p>
-          <a:p>
-            <a:r>
-              <a:rPr lang="zh-CN" altLang="en-US" dirty="0"/>
-              <a:t>产品</a:t>
-            </a:r>
-            <a:r>
-              <a:rPr lang="zh-CN" altLang="en-US" dirty="0" smtClean="0"/>
-              <a:t>设计</a:t>
-            </a:r>
-            <a:endParaRPr lang="en-US" altLang="zh-CN" dirty="0" smtClean="0"/>
           </a:p>
         </p:txBody>
       </p:sp>
@@ -4923,7 +4945,7 @@
         </p:nvSpPr>
         <p:spPr>
           <a:xfrm>
-            <a:off x="4355976" y="1628800"/>
+            <a:off x="5879976" y="1628800"/>
             <a:ext cx="4176464" cy="4680520"/>
           </a:xfrm>
           <a:prstGeom prst="rect">
@@ -5114,52 +5136,42 @@
             <a:pPr marL="64008" indent="0">
               <a:buNone/>
             </a:pPr>
-            <a:endParaRPr lang="en-US" altLang="zh-CN" dirty="0" smtClean="0"/>
-          </a:p>
-          <a:p>
-            <a:r>
-              <a:rPr lang="zh-CN" altLang="en-US" dirty="0" smtClean="0"/>
+            <a:endParaRPr lang="en-US" altLang="zh-CN" dirty="0"/>
+          </a:p>
+          <a:p>
+            <a:r>
+              <a:rPr lang="zh-CN" altLang="en-US" dirty="0"/>
               <a:t>技术经理</a:t>
             </a:r>
-            <a:endParaRPr lang="en-US" altLang="zh-CN" dirty="0" smtClean="0"/>
-          </a:p>
-          <a:p>
-            <a:r>
-              <a:rPr lang="zh-CN" altLang="en-US" dirty="0" smtClean="0"/>
+            <a:endParaRPr lang="en-US" altLang="zh-CN" dirty="0"/>
+          </a:p>
+          <a:p>
+            <a:r>
+              <a:rPr lang="zh-CN" altLang="en-US" dirty="0"/>
               <a:t>技术总监</a:t>
             </a:r>
-            <a:endParaRPr lang="en-US" altLang="zh-CN" dirty="0" smtClean="0"/>
-          </a:p>
-          <a:p>
-            <a:r>
-              <a:rPr lang="zh-CN" altLang="en-US" dirty="0" smtClean="0"/>
+            <a:endParaRPr lang="en-US" altLang="zh-CN" dirty="0"/>
+          </a:p>
+          <a:p>
+            <a:r>
+              <a:rPr lang="zh-CN" altLang="en-US" dirty="0"/>
               <a:t>数据工程师</a:t>
             </a:r>
-            <a:endParaRPr lang="en-US" altLang="zh-CN" dirty="0" smtClean="0"/>
-          </a:p>
-          <a:p>
-            <a:r>
-              <a:rPr lang="zh-CN" altLang="en-US" dirty="0" smtClean="0"/>
+            <a:endParaRPr lang="en-US" altLang="zh-CN" dirty="0"/>
+          </a:p>
+          <a:p>
+            <a:r>
+              <a:rPr lang="zh-CN" altLang="en-US" dirty="0"/>
               <a:t>算法工程师</a:t>
             </a:r>
-            <a:endParaRPr lang="en-US" altLang="zh-CN" dirty="0" smtClean="0"/>
-          </a:p>
-          <a:p>
-            <a:r>
-              <a:rPr lang="zh-CN" altLang="en-US" dirty="0" smtClean="0"/>
-              <a:t>人工智能工程师</a:t>
-            </a:r>
-            <a:endParaRPr lang="en-US" altLang="zh-CN" dirty="0" smtClean="0"/>
-          </a:p>
-          <a:p>
-            <a:r>
-              <a:rPr lang="zh-CN" altLang="en-US" dirty="0" smtClean="0"/>
-              <a:t>物联网工程师</a:t>
-            </a:r>
-            <a:endParaRPr lang="en-US" altLang="zh-CN" dirty="0" smtClean="0"/>
-          </a:p>
-          <a:p>
-            <a:endParaRPr lang="en-US" altLang="zh-CN" dirty="0" smtClean="0"/>
+            <a:endParaRPr lang="en-US" altLang="zh-CN" dirty="0"/>
+          </a:p>
+          <a:p>
+            <a:r>
+              <a:rPr lang="zh-CN" altLang="en-US" dirty="0"/>
+              <a:t>人工智能开发工程师</a:t>
+            </a:r>
+            <a:endParaRPr lang="en-US" altLang="zh-CN" dirty="0"/>
           </a:p>
         </p:txBody>
       </p:sp>
@@ -5205,7 +5217,7 @@
         </p:nvSpPr>
         <p:spPr>
           <a:xfrm>
-            <a:off x="457200" y="267494"/>
+            <a:off x="1981200" y="267494"/>
             <a:ext cx="8229600" cy="1399032"/>
           </a:xfrm>
         </p:spPr>
@@ -5236,7 +5248,7 @@
         </p:nvSpPr>
         <p:spPr>
           <a:xfrm>
-            <a:off x="899592" y="1916832"/>
+            <a:off x="2423592" y="1916832"/>
             <a:ext cx="5961856" cy="2448272"/>
           </a:xfrm>
         </p:spPr>
@@ -5363,7 +5375,7 @@
         </p:nvSpPr>
         <p:spPr>
           <a:xfrm>
-            <a:off x="457200" y="267494"/>
+            <a:off x="1981200" y="267494"/>
             <a:ext cx="8507288" cy="1399032"/>
           </a:xfrm>
         </p:spPr>
@@ -5381,11 +5393,15 @@
             </a:r>
             <a:r>
               <a:rPr lang="en-US" altLang="zh-CN" dirty="0" smtClean="0"/>
-              <a:t>BodhiB2B</a:t>
+              <a:t>BodhiECP</a:t>
             </a:r>
             <a:r>
               <a:rPr lang="zh-CN" altLang="en-US" dirty="0" smtClean="0"/>
-              <a:t>开发数字化</a:t>
+              <a:t>开发</a:t>
+            </a:r>
+            <a:r>
+              <a:rPr lang="zh-CN" altLang="en-US" dirty="0" smtClean="0"/>
+              <a:t>数字化</a:t>
             </a:r>
             <a:r>
               <a:rPr lang="zh-CN" altLang="en-US" dirty="0"/>
@@ -5406,7 +5422,7 @@
         </p:nvSpPr>
         <p:spPr>
           <a:xfrm>
-            <a:off x="899592" y="1916832"/>
+            <a:off x="2423592" y="1916832"/>
             <a:ext cx="7704856" cy="2664296"/>
           </a:xfrm>
         </p:spPr>

--- a/test/开发教程.pptx
+++ b/test/开发教程.pptx
@@ -215,7 +215,7 @@
           <a:p>
             <a:fld id="{ADB2B423-0D36-4351-9EEF-C32D003B49AC}" type="datetimeFigureOut">
               <a:rPr lang="zh-CN" altLang="en-US" smtClean="0"/>
-              <a:t>2024/5/26</a:t>
+              <a:t>2024/5/30</a:t>
             </a:fld>
             <a:endParaRPr lang="zh-CN" altLang="en-US"/>
           </a:p>
@@ -791,7 +791,7 @@
           <a:p>
             <a:fld id="{530820CF-B880-4189-942D-D702A7CBA730}" type="datetimeFigureOut">
               <a:rPr lang="zh-CN" altLang="en-US" smtClean="0"/>
-              <a:t>2024/5/26</a:t>
+              <a:t>2024/5/30</a:t>
             </a:fld>
             <a:endParaRPr lang="zh-CN" altLang="en-US"/>
           </a:p>
@@ -978,7 +978,7 @@
           <a:p>
             <a:fld id="{530820CF-B880-4189-942D-D702A7CBA730}" type="datetimeFigureOut">
               <a:rPr lang="zh-CN" altLang="en-US" smtClean="0"/>
-              <a:t>2024/5/26</a:t>
+              <a:t>2024/5/30</a:t>
             </a:fld>
             <a:endParaRPr lang="zh-CN" altLang="en-US"/>
           </a:p>
@@ -1153,7 +1153,7 @@
           <a:p>
             <a:fld id="{530820CF-B880-4189-942D-D702A7CBA730}" type="datetimeFigureOut">
               <a:rPr lang="zh-CN" altLang="en-US" smtClean="0"/>
-              <a:t>2024/5/26</a:t>
+              <a:t>2024/5/30</a:t>
             </a:fld>
             <a:endParaRPr lang="zh-CN" altLang="en-US"/>
           </a:p>
@@ -1333,7 +1333,7 @@
           <a:p>
             <a:fld id="{530820CF-B880-4189-942D-D702A7CBA730}" type="datetimeFigureOut">
               <a:rPr lang="zh-CN" altLang="en-US" smtClean="0"/>
-              <a:t>2024/5/26</a:t>
+              <a:t>2024/5/30</a:t>
             </a:fld>
             <a:endParaRPr lang="zh-CN" altLang="en-US"/>
           </a:p>
@@ -1580,7 +1580,7 @@
           <a:p>
             <a:fld id="{530820CF-B880-4189-942D-D702A7CBA730}" type="datetimeFigureOut">
               <a:rPr lang="zh-CN" altLang="en-US" smtClean="0"/>
-              <a:t>2024/5/26</a:t>
+              <a:t>2024/5/30</a:t>
             </a:fld>
             <a:endParaRPr lang="zh-CN" altLang="en-US"/>
           </a:p>
@@ -2054,7 +2054,7 @@
           <a:p>
             <a:fld id="{530820CF-B880-4189-942D-D702A7CBA730}" type="datetimeFigureOut">
               <a:rPr lang="zh-CN" altLang="en-US" smtClean="0"/>
-              <a:t>2024/5/26</a:t>
+              <a:t>2024/5/30</a:t>
             </a:fld>
             <a:endParaRPr lang="zh-CN" altLang="en-US"/>
           </a:p>
@@ -2469,7 +2469,7 @@
           <a:p>
             <a:fld id="{530820CF-B880-4189-942D-D702A7CBA730}" type="datetimeFigureOut">
               <a:rPr lang="zh-CN" altLang="en-US" smtClean="0"/>
-              <a:t>2024/5/26</a:t>
+              <a:t>2024/5/30</a:t>
             </a:fld>
             <a:endParaRPr lang="zh-CN" altLang="en-US"/>
           </a:p>
@@ -2600,7 +2600,7 @@
           <a:p>
             <a:fld id="{530820CF-B880-4189-942D-D702A7CBA730}" type="datetimeFigureOut">
               <a:rPr lang="zh-CN" altLang="en-US" smtClean="0"/>
-              <a:t>2024/5/26</a:t>
+              <a:t>2024/5/30</a:t>
             </a:fld>
             <a:endParaRPr lang="zh-CN" altLang="en-US"/>
           </a:p>
@@ -2695,7 +2695,7 @@
           <a:p>
             <a:fld id="{530820CF-B880-4189-942D-D702A7CBA730}" type="datetimeFigureOut">
               <a:rPr lang="zh-CN" altLang="en-US" smtClean="0"/>
-              <a:t>2024/5/26</a:t>
+              <a:t>2024/5/30</a:t>
             </a:fld>
             <a:endParaRPr lang="zh-CN" altLang="en-US"/>
           </a:p>
@@ -2973,7 +2973,7 @@
           <a:p>
             <a:fld id="{530820CF-B880-4189-942D-D702A7CBA730}" type="datetimeFigureOut">
               <a:rPr lang="zh-CN" altLang="en-US" smtClean="0"/>
-              <a:t>2024/5/26</a:t>
+              <a:t>2024/5/30</a:t>
             </a:fld>
             <a:endParaRPr lang="zh-CN" altLang="en-US"/>
           </a:p>
@@ -3225,7 +3225,7 @@
           <a:p>
             <a:fld id="{530820CF-B880-4189-942D-D702A7CBA730}" type="datetimeFigureOut">
               <a:rPr lang="zh-CN" altLang="en-US" smtClean="0"/>
-              <a:t>2024/5/26</a:t>
+              <a:t>2024/5/30</a:t>
             </a:fld>
             <a:endParaRPr lang="zh-CN" altLang="en-US"/>
           </a:p>
@@ -3597,7 +3597,7 @@
           <a:p>
             <a:fld id="{530820CF-B880-4189-942D-D702A7CBA730}" type="datetimeFigureOut">
               <a:rPr lang="zh-CN" altLang="en-US" smtClean="0"/>
-              <a:t>2024/5/26</a:t>
+              <a:t>2024/5/30</a:t>
             </a:fld>
             <a:endParaRPr lang="zh-CN" altLang="en-US"/>
           </a:p>
@@ -4043,14 +4043,7 @@
                 <a:latin typeface="微软雅黑" pitchFamily="34" charset="-122"/>
                 <a:ea typeface="微软雅黑" pitchFamily="34" charset="-122"/>
               </a:rPr>
-              <a:t>开发</a:t>
-            </a:r>
-            <a:r>
-              <a:rPr lang="zh-CN" altLang="en-US" b="1" dirty="0" smtClean="0">
-                <a:latin typeface="微软雅黑" pitchFamily="34" charset="-122"/>
-                <a:ea typeface="微软雅黑" pitchFamily="34" charset="-122"/>
-              </a:rPr>
-              <a:t>教程</a:t>
+              <a:t>开发教程</a:t>
             </a:r>
             <a:endParaRPr lang="zh-CN" altLang="en-US" b="1" dirty="0">
               <a:latin typeface="微软雅黑" pitchFamily="34" charset="-122"/>
@@ -4199,14 +4192,7 @@
                 <a:latin typeface="微软雅黑" pitchFamily="34" charset="-122"/>
                 <a:ea typeface="微软雅黑" pitchFamily="34" charset="-122"/>
               </a:rPr>
-              <a:t>做</a:t>
-            </a:r>
-            <a:r>
-              <a:rPr lang="zh-CN" altLang="en-US" dirty="0" smtClean="0">
-                <a:latin typeface="微软雅黑" pitchFamily="34" charset="-122"/>
-                <a:ea typeface="微软雅黑" pitchFamily="34" charset="-122"/>
-              </a:rPr>
-              <a:t>二次开发</a:t>
+              <a:t>做二次开发</a:t>
             </a:r>
             <a:endParaRPr lang="en-US" altLang="zh-CN" dirty="0" smtClean="0">
               <a:latin typeface="微软雅黑" pitchFamily="34" charset="-122"/>
@@ -5397,11 +5383,7 @@
             </a:r>
             <a:r>
               <a:rPr lang="zh-CN" altLang="en-US" dirty="0" smtClean="0"/>
-              <a:t>开发</a:t>
-            </a:r>
-            <a:r>
-              <a:rPr lang="zh-CN" altLang="en-US" dirty="0" smtClean="0"/>
-              <a:t>数字化</a:t>
+              <a:t>开发数字化</a:t>
             </a:r>
             <a:r>
               <a:rPr lang="zh-CN" altLang="en-US" dirty="0"/>
@@ -5435,6 +5417,28 @@
             <a:pPr marL="64008" indent="0">
               <a:buNone/>
             </a:pPr>
+            <a:r>
+              <a:rPr lang="zh-CN" altLang="en-US" b="1" smtClean="0">
+                <a:solidFill>
+                  <a:schemeClr val="accent2">
+                    <a:lumMod val="60000"/>
+                    <a:lumOff val="40000"/>
+                  </a:schemeClr>
+                </a:solidFill>
+              </a:rPr>
+              <a:t>低成本</a:t>
+            </a:r>
+            <a:r>
+              <a:rPr lang="zh-CN" altLang="en-US" b="1" smtClean="0">
+                <a:solidFill>
+                  <a:schemeClr val="accent2">
+                    <a:lumMod val="60000"/>
+                    <a:lumOff val="40000"/>
+                  </a:schemeClr>
+                </a:solidFill>
+              </a:rPr>
+              <a:t>、开发快、</a:t>
+            </a:r>
             <a:r>
               <a:rPr lang="zh-CN" altLang="en-US" b="1" dirty="0" smtClean="0">
                 <a:solidFill>
@@ -5444,7 +5448,7 @@
                   </a:schemeClr>
                 </a:solidFill>
               </a:rPr>
-              <a:t>低成本、开快开发、创意立现</a:t>
+              <a:t>创意立现</a:t>
             </a:r>
             <a:endParaRPr lang="en-US" altLang="zh-CN" dirty="0" smtClean="0"/>
           </a:p>
@@ -5458,11 +5462,11 @@
               <a:t>、</a:t>
             </a:r>
             <a:r>
-              <a:rPr lang="en-US" altLang="zh-CN" smtClean="0"/>
+              <a:rPr lang="en-US" altLang="zh-CN" dirty="0" smtClean="0"/>
               <a:t>OMS</a:t>
             </a:r>
             <a:r>
-              <a:rPr lang="zh-CN" altLang="en-US" smtClean="0"/>
+              <a:rPr lang="zh-CN" altLang="en-US" dirty="0" smtClean="0"/>
               <a:t>、</a:t>
             </a:r>
             <a:r>
